--- a/specifiation/Praesentation1.pptx
+++ b/specifiation/Praesentation1.pptx
@@ -10,7 +10,7 @@
     <p:sldId id="258" r:id="rId4"/>
     <p:sldId id="257" r:id="rId5"/>
     <p:sldId id="259" r:id="rId6"/>
-    <p:sldId id="261" r:id="rId7"/>
+    <p:sldId id="262" r:id="rId7"/>
   </p:sldIdLst>
   <p:sldSz cx="12192000" cy="6858000"/>
   <p:notesSz cx="6858000" cy="9144000"/>
@@ -109,6 +109,11 @@
       </a:defRPr>
     </a:lvl9pPr>
   </p:defaultTextStyle>
+  <p:extLst>
+    <p:ext uri="{EFAFB233-063F-42B5-8137-9DF3F51BA10A}">
+      <p15:sldGuideLst xmlns:p15="http://schemas.microsoft.com/office/powerpoint/2012/main"/>
+    </p:ext>
+  </p:extLst>
 </p:presentation>
 </file>
 
@@ -261,7 +266,7 @@
           <a:p>
             <a:fld id="{496946B5-1CC8-47A6-9E31-1FAAE4315D9B}" type="datetimeFigureOut">
               <a:rPr lang="en-US" smtClean="0"/>
-              <a:t>10/22/2019</a:t>
+              <a:t>10/24/19</a:t>
             </a:fld>
             <a:endParaRPr lang="en-US"/>
           </a:p>
@@ -315,7 +320,7 @@
           <a:p>
             <a:fld id="{BD48EF78-8F88-424F-AAB5-FCCADD2EAA8D}" type="slidenum">
               <a:rPr lang="en-US" smtClean="0"/>
-              <a:t>‹Nr.›</a:t>
+              <a:t>‹#›</a:t>
             </a:fld>
             <a:endParaRPr lang="en-US"/>
           </a:p>
@@ -461,7 +466,7 @@
           <a:p>
             <a:fld id="{496946B5-1CC8-47A6-9E31-1FAAE4315D9B}" type="datetimeFigureOut">
               <a:rPr lang="en-US" smtClean="0"/>
-              <a:t>10/22/2019</a:t>
+              <a:t>10/24/19</a:t>
             </a:fld>
             <a:endParaRPr lang="en-US"/>
           </a:p>
@@ -515,7 +520,7 @@
           <a:p>
             <a:fld id="{BD48EF78-8F88-424F-AAB5-FCCADD2EAA8D}" type="slidenum">
               <a:rPr lang="en-US" smtClean="0"/>
-              <a:t>‹Nr.›</a:t>
+              <a:t>‹#›</a:t>
             </a:fld>
             <a:endParaRPr lang="en-US"/>
           </a:p>
@@ -671,7 +676,7 @@
           <a:p>
             <a:fld id="{496946B5-1CC8-47A6-9E31-1FAAE4315D9B}" type="datetimeFigureOut">
               <a:rPr lang="en-US" smtClean="0"/>
-              <a:t>10/22/2019</a:t>
+              <a:t>10/24/19</a:t>
             </a:fld>
             <a:endParaRPr lang="en-US"/>
           </a:p>
@@ -725,7 +730,7 @@
           <a:p>
             <a:fld id="{BD48EF78-8F88-424F-AAB5-FCCADD2EAA8D}" type="slidenum">
               <a:rPr lang="en-US" smtClean="0"/>
-              <a:t>‹Nr.›</a:t>
+              <a:t>‹#›</a:t>
             </a:fld>
             <a:endParaRPr lang="en-US"/>
           </a:p>
@@ -871,7 +876,7 @@
           <a:p>
             <a:fld id="{496946B5-1CC8-47A6-9E31-1FAAE4315D9B}" type="datetimeFigureOut">
               <a:rPr lang="en-US" smtClean="0"/>
-              <a:t>10/22/2019</a:t>
+              <a:t>10/24/19</a:t>
             </a:fld>
             <a:endParaRPr lang="en-US"/>
           </a:p>
@@ -925,7 +930,7 @@
           <a:p>
             <a:fld id="{BD48EF78-8F88-424F-AAB5-FCCADD2EAA8D}" type="slidenum">
               <a:rPr lang="en-US" smtClean="0"/>
-              <a:t>‹Nr.›</a:t>
+              <a:t>‹#›</a:t>
             </a:fld>
             <a:endParaRPr lang="en-US"/>
           </a:p>
@@ -1147,7 +1152,7 @@
           <a:p>
             <a:fld id="{496946B5-1CC8-47A6-9E31-1FAAE4315D9B}" type="datetimeFigureOut">
               <a:rPr lang="en-US" smtClean="0"/>
-              <a:t>10/22/2019</a:t>
+              <a:t>10/24/19</a:t>
             </a:fld>
             <a:endParaRPr lang="en-US"/>
           </a:p>
@@ -1201,7 +1206,7 @@
           <a:p>
             <a:fld id="{BD48EF78-8F88-424F-AAB5-FCCADD2EAA8D}" type="slidenum">
               <a:rPr lang="en-US" smtClean="0"/>
-              <a:t>‹Nr.›</a:t>
+              <a:t>‹#›</a:t>
             </a:fld>
             <a:endParaRPr lang="en-US"/>
           </a:p>
@@ -1415,7 +1420,7 @@
           <a:p>
             <a:fld id="{496946B5-1CC8-47A6-9E31-1FAAE4315D9B}" type="datetimeFigureOut">
               <a:rPr lang="en-US" smtClean="0"/>
-              <a:t>10/22/2019</a:t>
+              <a:t>10/24/19</a:t>
             </a:fld>
             <a:endParaRPr lang="en-US"/>
           </a:p>
@@ -1469,7 +1474,7 @@
           <a:p>
             <a:fld id="{BD48EF78-8F88-424F-AAB5-FCCADD2EAA8D}" type="slidenum">
               <a:rPr lang="en-US" smtClean="0"/>
-              <a:t>‹Nr.›</a:t>
+              <a:t>‹#›</a:t>
             </a:fld>
             <a:endParaRPr lang="en-US"/>
           </a:p>
@@ -1830,7 +1835,7 @@
           <a:p>
             <a:fld id="{496946B5-1CC8-47A6-9E31-1FAAE4315D9B}" type="datetimeFigureOut">
               <a:rPr lang="en-US" smtClean="0"/>
-              <a:t>10/22/2019</a:t>
+              <a:t>10/24/19</a:t>
             </a:fld>
             <a:endParaRPr lang="en-US"/>
           </a:p>
@@ -1884,7 +1889,7 @@
           <a:p>
             <a:fld id="{BD48EF78-8F88-424F-AAB5-FCCADD2EAA8D}" type="slidenum">
               <a:rPr lang="en-US" smtClean="0"/>
-              <a:t>‹Nr.›</a:t>
+              <a:t>‹#›</a:t>
             </a:fld>
             <a:endParaRPr lang="en-US"/>
           </a:p>
@@ -1972,7 +1977,7 @@
           <a:p>
             <a:fld id="{496946B5-1CC8-47A6-9E31-1FAAE4315D9B}" type="datetimeFigureOut">
               <a:rPr lang="en-US" smtClean="0"/>
-              <a:t>10/22/2019</a:t>
+              <a:t>10/24/19</a:t>
             </a:fld>
             <a:endParaRPr lang="en-US"/>
           </a:p>
@@ -2026,7 +2031,7 @@
           <a:p>
             <a:fld id="{BD48EF78-8F88-424F-AAB5-FCCADD2EAA8D}" type="slidenum">
               <a:rPr lang="en-US" smtClean="0"/>
-              <a:t>‹Nr.›</a:t>
+              <a:t>‹#›</a:t>
             </a:fld>
             <a:endParaRPr lang="en-US"/>
           </a:p>
@@ -2085,7 +2090,7 @@
           <a:p>
             <a:fld id="{496946B5-1CC8-47A6-9E31-1FAAE4315D9B}" type="datetimeFigureOut">
               <a:rPr lang="en-US" smtClean="0"/>
-              <a:t>10/22/2019</a:t>
+              <a:t>10/24/19</a:t>
             </a:fld>
             <a:endParaRPr lang="en-US"/>
           </a:p>
@@ -2139,7 +2144,7 @@
           <a:p>
             <a:fld id="{BD48EF78-8F88-424F-AAB5-FCCADD2EAA8D}" type="slidenum">
               <a:rPr lang="en-US" smtClean="0"/>
-              <a:t>‹Nr.›</a:t>
+              <a:t>‹#›</a:t>
             </a:fld>
             <a:endParaRPr lang="en-US"/>
           </a:p>
@@ -2398,7 +2403,7 @@
           <a:p>
             <a:fld id="{496946B5-1CC8-47A6-9E31-1FAAE4315D9B}" type="datetimeFigureOut">
               <a:rPr lang="en-US" smtClean="0"/>
-              <a:t>10/22/2019</a:t>
+              <a:t>10/24/19</a:t>
             </a:fld>
             <a:endParaRPr lang="en-US"/>
           </a:p>
@@ -2452,7 +2457,7 @@
           <a:p>
             <a:fld id="{BD48EF78-8F88-424F-AAB5-FCCADD2EAA8D}" type="slidenum">
               <a:rPr lang="en-US" smtClean="0"/>
-              <a:t>‹Nr.›</a:t>
+              <a:t>‹#›</a:t>
             </a:fld>
             <a:endParaRPr lang="en-US"/>
           </a:p>
@@ -2687,7 +2692,7 @@
           <a:p>
             <a:fld id="{496946B5-1CC8-47A6-9E31-1FAAE4315D9B}" type="datetimeFigureOut">
               <a:rPr lang="en-US" smtClean="0"/>
-              <a:t>10/22/2019</a:t>
+              <a:t>10/24/19</a:t>
             </a:fld>
             <a:endParaRPr lang="en-US"/>
           </a:p>
@@ -2741,7 +2746,7 @@
           <a:p>
             <a:fld id="{BD48EF78-8F88-424F-AAB5-FCCADD2EAA8D}" type="slidenum">
               <a:rPr lang="en-US" smtClean="0"/>
-              <a:t>‹Nr.›</a:t>
+              <a:t>‹#›</a:t>
             </a:fld>
             <a:endParaRPr lang="en-US"/>
           </a:p>
@@ -2930,7 +2935,7 @@
           <a:p>
             <a:fld id="{496946B5-1CC8-47A6-9E31-1FAAE4315D9B}" type="datetimeFigureOut">
               <a:rPr lang="en-US" smtClean="0"/>
-              <a:t>10/22/2019</a:t>
+              <a:t>10/24/19</a:t>
             </a:fld>
             <a:endParaRPr lang="en-US"/>
           </a:p>
@@ -3020,7 +3025,7 @@
           <a:p>
             <a:fld id="{BD48EF78-8F88-424F-AAB5-FCCADD2EAA8D}" type="slidenum">
               <a:rPr lang="en-US" smtClean="0"/>
-              <a:t>‹Nr.›</a:t>
+              <a:t>‹#›</a:t>
             </a:fld>
             <a:endParaRPr lang="en-US"/>
           </a:p>
@@ -3377,6 +3382,42 @@
           </a:prstGeom>
         </p:spPr>
       </p:pic>
+      <p:pic>
+        <p:nvPicPr>
+          <p:cNvPr id="3" name="Picture 2">
+            <a:extLst>
+              <a:ext uri="{FF2B5EF4-FFF2-40B4-BE49-F238E27FC236}">
+                <a16:creationId xmlns:a16="http://schemas.microsoft.com/office/drawing/2014/main" id="{21CF6400-E7E0-A94D-8565-517FB74722EB}"/>
+              </a:ext>
+            </a:extLst>
+          </p:cNvPr>
+          <p:cNvPicPr>
+            <a:picLocks noChangeAspect="1"/>
+          </p:cNvPicPr>
+          <p:nvPr/>
+        </p:nvPicPr>
+        <p:blipFill>
+          <a:blip r:embed="rId3">
+            <a:extLst>
+              <a:ext uri="{28A0092B-C50C-407E-A947-70E740481C1C}">
+                <a14:useLocalDpi xmlns:a14="http://schemas.microsoft.com/office/drawing/2010/main" val="0"/>
+              </a:ext>
+            </a:extLst>
+          </a:blip>
+          <a:stretch>
+            <a:fillRect/>
+          </a:stretch>
+        </p:blipFill>
+        <p:spPr>
+          <a:xfrm>
+            <a:off x="758964" y="0"/>
+            <a:ext cx="10674072" cy="6858000"/>
+          </a:xfrm>
+          <a:prstGeom prst="rect">
+            <a:avLst/>
+          </a:prstGeom>
+        </p:spPr>
+      </p:pic>
     </p:spTree>
     <p:extLst>
       <p:ext uri="{BB962C8B-B14F-4D97-AF65-F5344CB8AC3E}">
@@ -3409,10 +3450,10 @@
       </p:grpSpPr>
       <p:pic>
         <p:nvPicPr>
-          <p:cNvPr id="4" name="Grafik 3">
-            <a:extLst>
-              <a:ext uri="{FF2B5EF4-FFF2-40B4-BE49-F238E27FC236}">
-                <a16:creationId xmlns:a16="http://schemas.microsoft.com/office/drawing/2014/main" id="{C825AF09-BF5E-4FE1-9833-8931533F748A}"/>
+          <p:cNvPr id="10" name="Picture 9">
+            <a:extLst>
+              <a:ext uri="{FF2B5EF4-FFF2-40B4-BE49-F238E27FC236}">
+                <a16:creationId xmlns:a16="http://schemas.microsoft.com/office/drawing/2014/main" id="{CAA630FE-2186-3840-90BA-6AC4275E4FCC}"/>
               </a:ext>
             </a:extLst>
           </p:cNvPr>
@@ -3422,15 +3463,21 @@
           <p:nvPr/>
         </p:nvPicPr>
         <p:blipFill>
-          <a:blip r:embed="rId2"/>
+          <a:blip r:embed="rId2">
+            <a:extLst>
+              <a:ext uri="{28A0092B-C50C-407E-A947-70E740481C1C}">
+                <a14:useLocalDpi xmlns:a14="http://schemas.microsoft.com/office/drawing/2010/main" val="0"/>
+              </a:ext>
+            </a:extLst>
+          </a:blip>
           <a:stretch>
             <a:fillRect/>
           </a:stretch>
         </p:blipFill>
         <p:spPr>
           <a:xfrm>
-            <a:off x="1644931" y="0"/>
-            <a:ext cx="8902137" cy="6858000"/>
+            <a:off x="758964" y="0"/>
+            <a:ext cx="10674072" cy="6858000"/>
           </a:xfrm>
           <a:prstGeom prst="rect">
             <a:avLst/>
@@ -3451,8 +3498,8 @@
         </p:nvSpPr>
         <p:spPr>
           <a:xfrm>
-            <a:off x="4739780" y="302004"/>
-            <a:ext cx="5192785" cy="3682767"/>
+            <a:off x="4454554" y="160638"/>
+            <a:ext cx="6221684" cy="4040659"/>
           </a:xfrm>
           <a:prstGeom prst="rect">
             <a:avLst/>
@@ -3503,8 +3550,8 @@
         </p:nvSpPr>
         <p:spPr>
           <a:xfrm>
-            <a:off x="5368954" y="4546833"/>
-            <a:ext cx="3624044" cy="2207704"/>
+            <a:off x="4454554" y="4460336"/>
+            <a:ext cx="4071608" cy="2237026"/>
           </a:xfrm>
           <a:prstGeom prst="rect">
             <a:avLst/>
@@ -3555,7 +3602,7 @@
         </p:nvSpPr>
         <p:spPr>
           <a:xfrm>
-            <a:off x="1451295" y="135622"/>
+            <a:off x="832763" y="75285"/>
             <a:ext cx="2885813" cy="2207704"/>
           </a:xfrm>
           <a:prstGeom prst="rect">
@@ -3606,8 +3653,47 @@
           <p:nvPr/>
         </p:nvSpPr>
         <p:spPr>
+          <a:xfrm flipH="1">
+            <a:off x="10432852" y="160638"/>
+            <a:ext cx="243386" cy="369332"/>
+          </a:xfrm>
+          <a:prstGeom prst="rect">
+            <a:avLst/>
+          </a:prstGeom>
+          <a:noFill/>
+        </p:spPr>
+        <p:txBody>
+          <a:bodyPr wrap="square" rtlCol="0">
+            <a:spAutoFit/>
+          </a:bodyPr>
+          <a:lstStyle/>
+          <a:p>
+            <a:r>
+              <a:rPr lang="en-US" dirty="0">
+                <a:solidFill>
+                  <a:srgbClr val="C00000"/>
+                </a:solidFill>
+              </a:rPr>
+              <a:t>1</a:t>
+            </a:r>
+          </a:p>
+        </p:txBody>
+      </p:sp>
+      <p:sp>
+        <p:nvSpPr>
+          <p:cNvPr id="8" name="Textfeld 7">
+            <a:extLst>
+              <a:ext uri="{FF2B5EF4-FFF2-40B4-BE49-F238E27FC236}">
+                <a16:creationId xmlns:a16="http://schemas.microsoft.com/office/drawing/2014/main" id="{45CD0174-E069-4F5A-8235-8B0228F11992}"/>
+              </a:ext>
+            </a:extLst>
+          </p:cNvPr>
+          <p:cNvSpPr txBox="1"/>
+          <p:nvPr/>
+        </p:nvSpPr>
+        <p:spPr>
           <a:xfrm>
-            <a:off x="9975358" y="302004"/>
+            <a:off x="3434029" y="75285"/>
             <a:ext cx="301686" cy="369332"/>
           </a:xfrm>
           <a:prstGeom prst="rect">
@@ -3627,17 +3713,17 @@
                   <a:srgbClr val="C00000"/>
                 </a:solidFill>
               </a:rPr>
-              <a:t>1</a:t>
-            </a:r>
-          </a:p>
-        </p:txBody>
-      </p:sp>
-      <p:sp>
-        <p:nvSpPr>
-          <p:cNvPr id="7" name="Textfeld 6">
-            <a:extLst>
-              <a:ext uri="{FF2B5EF4-FFF2-40B4-BE49-F238E27FC236}">
-                <a16:creationId xmlns:a16="http://schemas.microsoft.com/office/drawing/2014/main" id="{EECD2DB8-7D07-4108-AD6B-DC3A22060279}"/>
+              <a:t>2</a:t>
+            </a:r>
+          </a:p>
+        </p:txBody>
+      </p:sp>
+      <p:sp>
+        <p:nvSpPr>
+          <p:cNvPr id="11" name="Textfeld 6">
+            <a:extLst>
+              <a:ext uri="{FF2B5EF4-FFF2-40B4-BE49-F238E27FC236}">
+                <a16:creationId xmlns:a16="http://schemas.microsoft.com/office/drawing/2014/main" id="{BB7D2D92-D1CB-8840-84D4-F40884165633}"/>
               </a:ext>
             </a:extLst>
           </p:cNvPr>
@@ -3646,8 +3732,8 @@
         </p:nvSpPr>
         <p:spPr>
           <a:xfrm>
-            <a:off x="8992998" y="4615344"/>
-            <a:ext cx="301686" cy="369332"/>
+            <a:off x="8263949" y="4467062"/>
+            <a:ext cx="338944" cy="374237"/>
           </a:xfrm>
           <a:prstGeom prst="rect">
             <a:avLst/>
@@ -3655,7 +3741,7 @@
           <a:noFill/>
         </p:spPr>
         <p:txBody>
-          <a:bodyPr wrap="none" rtlCol="0">
+          <a:bodyPr wrap="square" rtlCol="0">
             <a:spAutoFit/>
           </a:bodyPr>
           <a:lstStyle/>
@@ -3667,45 +3753,6 @@
                 </a:solidFill>
               </a:rPr>
               <a:t>3</a:t>
-            </a:r>
-          </a:p>
-        </p:txBody>
-      </p:sp>
-      <p:sp>
-        <p:nvSpPr>
-          <p:cNvPr id="8" name="Textfeld 7">
-            <a:extLst>
-              <a:ext uri="{FF2B5EF4-FFF2-40B4-BE49-F238E27FC236}">
-                <a16:creationId xmlns:a16="http://schemas.microsoft.com/office/drawing/2014/main" id="{45CD0174-E069-4F5A-8235-8B0228F11992}"/>
-              </a:ext>
-            </a:extLst>
-          </p:cNvPr>
-          <p:cNvSpPr txBox="1"/>
-          <p:nvPr/>
-        </p:nvSpPr>
-        <p:spPr>
-          <a:xfrm>
-            <a:off x="4378894" y="75285"/>
-            <a:ext cx="301686" cy="369332"/>
-          </a:xfrm>
-          <a:prstGeom prst="rect">
-            <a:avLst/>
-          </a:prstGeom>
-          <a:noFill/>
-        </p:spPr>
-        <p:txBody>
-          <a:bodyPr wrap="none" rtlCol="0">
-            <a:spAutoFit/>
-          </a:bodyPr>
-          <a:lstStyle/>
-          <a:p>
-            <a:r>
-              <a:rPr lang="en-US" dirty="0">
-                <a:solidFill>
-                  <a:srgbClr val="C00000"/>
-                </a:solidFill>
-              </a:rPr>
-              <a:t>2</a:t>
             </a:r>
           </a:p>
         </p:txBody>
@@ -3742,10 +3789,10 @@
       </p:grpSpPr>
       <p:pic>
         <p:nvPicPr>
-          <p:cNvPr id="4" name="Grafik 3">
-            <a:extLst>
-              <a:ext uri="{FF2B5EF4-FFF2-40B4-BE49-F238E27FC236}">
-                <a16:creationId xmlns:a16="http://schemas.microsoft.com/office/drawing/2014/main" id="{72D22565-051F-4DA1-9581-F0FD9963D040}"/>
+          <p:cNvPr id="6" name="Picture 5">
+            <a:extLst>
+              <a:ext uri="{FF2B5EF4-FFF2-40B4-BE49-F238E27FC236}">
+                <a16:creationId xmlns:a16="http://schemas.microsoft.com/office/drawing/2014/main" id="{D894C94E-4B94-EC41-AE2C-9DA9C52808DA}"/>
               </a:ext>
             </a:extLst>
           </p:cNvPr>
@@ -3755,15 +3802,21 @@
           <p:nvPr/>
         </p:nvPicPr>
         <p:blipFill>
-          <a:blip r:embed="rId2"/>
+          <a:blip r:embed="rId2">
+            <a:extLst>
+              <a:ext uri="{28A0092B-C50C-407E-A947-70E740481C1C}">
+                <a14:useLocalDpi xmlns:a14="http://schemas.microsoft.com/office/drawing/2010/main" val="0"/>
+              </a:ext>
+            </a:extLst>
+          </a:blip>
           <a:stretch>
             <a:fillRect/>
           </a:stretch>
         </p:blipFill>
         <p:spPr>
           <a:xfrm>
-            <a:off x="1119187" y="119062"/>
-            <a:ext cx="9953625" cy="6619875"/>
+            <a:off x="0" y="198986"/>
+            <a:ext cx="12192000" cy="6460027"/>
           </a:xfrm>
           <a:prstGeom prst="rect">
             <a:avLst/>
@@ -3802,10 +3855,10 @@
       </p:grpSpPr>
       <p:pic>
         <p:nvPicPr>
-          <p:cNvPr id="5" name="Grafik 4">
-            <a:extLst>
-              <a:ext uri="{FF2B5EF4-FFF2-40B4-BE49-F238E27FC236}">
-                <a16:creationId xmlns:a16="http://schemas.microsoft.com/office/drawing/2014/main" id="{CDBCE793-B31D-4E3F-A2D4-76DDB04ABCB5}"/>
+          <p:cNvPr id="3" name="Picture 2">
+            <a:extLst>
+              <a:ext uri="{FF2B5EF4-FFF2-40B4-BE49-F238E27FC236}">
+                <a16:creationId xmlns:a16="http://schemas.microsoft.com/office/drawing/2014/main" id="{99CF1C08-07B1-DF4C-BE70-20068472B001}"/>
               </a:ext>
             </a:extLst>
           </p:cNvPr>
@@ -3815,15 +3868,21 @@
           <p:nvPr/>
         </p:nvPicPr>
         <p:blipFill>
-          <a:blip r:embed="rId2"/>
+          <a:blip r:embed="rId2">
+            <a:extLst>
+              <a:ext uri="{28A0092B-C50C-407E-A947-70E740481C1C}">
+                <a14:useLocalDpi xmlns:a14="http://schemas.microsoft.com/office/drawing/2010/main" val="0"/>
+              </a:ext>
+            </a:extLst>
+          </a:blip>
           <a:stretch>
             <a:fillRect/>
           </a:stretch>
         </p:blipFill>
         <p:spPr>
           <a:xfrm>
-            <a:off x="3073429" y="803289"/>
-            <a:ext cx="5810250" cy="5133975"/>
+            <a:off x="3625850" y="1327150"/>
+            <a:ext cx="4940300" cy="4203700"/>
           </a:xfrm>
           <a:prstGeom prst="rect">
             <a:avLst/>
@@ -3862,10 +3921,10 @@
       </p:grpSpPr>
       <p:pic>
         <p:nvPicPr>
-          <p:cNvPr id="4" name="Grafik 3">
-            <a:extLst>
-              <a:ext uri="{FF2B5EF4-FFF2-40B4-BE49-F238E27FC236}">
-                <a16:creationId xmlns:a16="http://schemas.microsoft.com/office/drawing/2014/main" id="{009FFF2C-51EE-4279-9892-4E76050852BE}"/>
+          <p:cNvPr id="3" name="Picture 2">
+            <a:extLst>
+              <a:ext uri="{FF2B5EF4-FFF2-40B4-BE49-F238E27FC236}">
+                <a16:creationId xmlns:a16="http://schemas.microsoft.com/office/drawing/2014/main" id="{5C64B29E-1FBF-7D4E-A8D3-4A1E9F23BA8C}"/>
               </a:ext>
             </a:extLst>
           </p:cNvPr>
@@ -3875,15 +3934,21 @@
           <p:nvPr/>
         </p:nvPicPr>
         <p:blipFill>
-          <a:blip r:embed="rId2"/>
+          <a:blip r:embed="rId2">
+            <a:extLst>
+              <a:ext uri="{28A0092B-C50C-407E-A947-70E740481C1C}">
+                <a14:useLocalDpi xmlns:a14="http://schemas.microsoft.com/office/drawing/2010/main" val="0"/>
+              </a:ext>
+            </a:extLst>
+          </a:blip>
           <a:stretch>
             <a:fillRect/>
           </a:stretch>
         </p:blipFill>
         <p:spPr>
           <a:xfrm>
-            <a:off x="2461368" y="1295480"/>
-            <a:ext cx="7269263" cy="4518090"/>
+            <a:off x="920750" y="1447800"/>
+            <a:ext cx="10350500" cy="3962400"/>
           </a:xfrm>
           <a:prstGeom prst="rect">
             <a:avLst/>
@@ -3950,10 +4015,46 @@
           </a:prstGeom>
         </p:spPr>
       </p:pic>
+      <p:pic>
+        <p:nvPicPr>
+          <p:cNvPr id="3" name="Picture 2">
+            <a:extLst>
+              <a:ext uri="{FF2B5EF4-FFF2-40B4-BE49-F238E27FC236}">
+                <a16:creationId xmlns:a16="http://schemas.microsoft.com/office/drawing/2014/main" id="{21CF6400-E7E0-A94D-8565-517FB74722EB}"/>
+              </a:ext>
+            </a:extLst>
+          </p:cNvPr>
+          <p:cNvPicPr>
+            <a:picLocks noChangeAspect="1"/>
+          </p:cNvPicPr>
+          <p:nvPr/>
+        </p:nvPicPr>
+        <p:blipFill>
+          <a:blip r:embed="rId3">
+            <a:extLst>
+              <a:ext uri="{28A0092B-C50C-407E-A947-70E740481C1C}">
+                <a14:useLocalDpi xmlns:a14="http://schemas.microsoft.com/office/drawing/2010/main" val="0"/>
+              </a:ext>
+            </a:extLst>
+          </a:blip>
+          <a:stretch>
+            <a:fillRect/>
+          </a:stretch>
+        </p:blipFill>
+        <p:spPr>
+          <a:xfrm>
+            <a:off x="758964" y="0"/>
+            <a:ext cx="10674072" cy="6858000"/>
+          </a:xfrm>
+          <a:prstGeom prst="rect">
+            <a:avLst/>
+          </a:prstGeom>
+        </p:spPr>
+      </p:pic>
     </p:spTree>
     <p:extLst>
       <p:ext uri="{BB962C8B-B14F-4D97-AF65-F5344CB8AC3E}">
-        <p14:creationId xmlns:p14="http://schemas.microsoft.com/office/powerpoint/2010/main" val="3318606940"/>
+        <p14:creationId xmlns:p14="http://schemas.microsoft.com/office/powerpoint/2010/main" val="2063741649"/>
       </p:ext>
     </p:extLst>
   </p:cSld>

--- a/specifiation/Praesentation1.pptx
+++ b/specifiation/Praesentation1.pptx
@@ -2,23 +2,24 @@
 <file path=ppt/presentation.xml><?xml version="1.0" encoding="utf-8"?>
 <p:presentation xmlns:a="http://schemas.openxmlformats.org/drawingml/2006/main" xmlns:r="http://schemas.openxmlformats.org/officeDocument/2006/relationships" xmlns:p="http://schemas.openxmlformats.org/presentationml/2006/main" saveSubsetFonts="1">
   <p:sldMasterIdLst>
-    <p:sldMasterId id="2147483648" r:id="rId1"/>
+    <p:sldMasterId id="2147483660" r:id="rId1"/>
   </p:sldMasterIdLst>
   <p:sldIdLst>
-    <p:sldId id="256" r:id="rId2"/>
-    <p:sldId id="260" r:id="rId3"/>
-    <p:sldId id="258" r:id="rId4"/>
-    <p:sldId id="257" r:id="rId5"/>
-    <p:sldId id="259" r:id="rId6"/>
-    <p:sldId id="262" r:id="rId7"/>
+    <p:sldId id="263" r:id="rId2"/>
+    <p:sldId id="256" r:id="rId3"/>
+    <p:sldId id="260" r:id="rId4"/>
+    <p:sldId id="265" r:id="rId5"/>
+    <p:sldId id="266" r:id="rId6"/>
+    <p:sldId id="258" r:id="rId7"/>
+    <p:sldId id="264" r:id="rId8"/>
   </p:sldIdLst>
-  <p:sldSz cx="12192000" cy="6858000"/>
+  <p:sldSz cx="9144000" cy="6858000" type="screen4x3"/>
   <p:notesSz cx="6858000" cy="9144000"/>
   <p:defaultTextStyle>
     <a:defPPr>
-      <a:defRPr lang="de-DE"/>
+      <a:defRPr lang="en-US"/>
     </a:defPPr>
-    <a:lvl1pPr marL="0" algn="l" defTabSz="914400" rtl="0" eaLnBrk="1" latinLnBrk="0" hangingPunct="1">
+    <a:lvl1pPr marL="0" algn="l" defTabSz="457200" rtl="0" eaLnBrk="1" latinLnBrk="0" hangingPunct="1">
       <a:defRPr sz="1800" kern="1200">
         <a:solidFill>
           <a:schemeClr val="tx1"/>
@@ -28,7 +29,7 @@
         <a:cs typeface="+mn-cs"/>
       </a:defRPr>
     </a:lvl1pPr>
-    <a:lvl2pPr marL="457200" algn="l" defTabSz="914400" rtl="0" eaLnBrk="1" latinLnBrk="0" hangingPunct="1">
+    <a:lvl2pPr marL="457200" algn="l" defTabSz="457200" rtl="0" eaLnBrk="1" latinLnBrk="0" hangingPunct="1">
       <a:defRPr sz="1800" kern="1200">
         <a:solidFill>
           <a:schemeClr val="tx1"/>
@@ -38,7 +39,7 @@
         <a:cs typeface="+mn-cs"/>
       </a:defRPr>
     </a:lvl2pPr>
-    <a:lvl3pPr marL="914400" algn="l" defTabSz="914400" rtl="0" eaLnBrk="1" latinLnBrk="0" hangingPunct="1">
+    <a:lvl3pPr marL="914400" algn="l" defTabSz="457200" rtl="0" eaLnBrk="1" latinLnBrk="0" hangingPunct="1">
       <a:defRPr sz="1800" kern="1200">
         <a:solidFill>
           <a:schemeClr val="tx1"/>
@@ -48,7 +49,7 @@
         <a:cs typeface="+mn-cs"/>
       </a:defRPr>
     </a:lvl3pPr>
-    <a:lvl4pPr marL="1371600" algn="l" defTabSz="914400" rtl="0" eaLnBrk="1" latinLnBrk="0" hangingPunct="1">
+    <a:lvl4pPr marL="1371600" algn="l" defTabSz="457200" rtl="0" eaLnBrk="1" latinLnBrk="0" hangingPunct="1">
       <a:defRPr sz="1800" kern="1200">
         <a:solidFill>
           <a:schemeClr val="tx1"/>
@@ -58,7 +59,7 @@
         <a:cs typeface="+mn-cs"/>
       </a:defRPr>
     </a:lvl4pPr>
-    <a:lvl5pPr marL="1828800" algn="l" defTabSz="914400" rtl="0" eaLnBrk="1" latinLnBrk="0" hangingPunct="1">
+    <a:lvl5pPr marL="1828800" algn="l" defTabSz="457200" rtl="0" eaLnBrk="1" latinLnBrk="0" hangingPunct="1">
       <a:defRPr sz="1800" kern="1200">
         <a:solidFill>
           <a:schemeClr val="tx1"/>
@@ -68,7 +69,7 @@
         <a:cs typeface="+mn-cs"/>
       </a:defRPr>
     </a:lvl5pPr>
-    <a:lvl6pPr marL="2286000" algn="l" defTabSz="914400" rtl="0" eaLnBrk="1" latinLnBrk="0" hangingPunct="1">
+    <a:lvl6pPr marL="2286000" algn="l" defTabSz="457200" rtl="0" eaLnBrk="1" latinLnBrk="0" hangingPunct="1">
       <a:defRPr sz="1800" kern="1200">
         <a:solidFill>
           <a:schemeClr val="tx1"/>
@@ -78,7 +79,7 @@
         <a:cs typeface="+mn-cs"/>
       </a:defRPr>
     </a:lvl6pPr>
-    <a:lvl7pPr marL="2743200" algn="l" defTabSz="914400" rtl="0" eaLnBrk="1" latinLnBrk="0" hangingPunct="1">
+    <a:lvl7pPr marL="2743200" algn="l" defTabSz="457200" rtl="0" eaLnBrk="1" latinLnBrk="0" hangingPunct="1">
       <a:defRPr sz="1800" kern="1200">
         <a:solidFill>
           <a:schemeClr val="tx1"/>
@@ -88,7 +89,7 @@
         <a:cs typeface="+mn-cs"/>
       </a:defRPr>
     </a:lvl7pPr>
-    <a:lvl8pPr marL="3200400" algn="l" defTabSz="914400" rtl="0" eaLnBrk="1" latinLnBrk="0" hangingPunct="1">
+    <a:lvl8pPr marL="3200400" algn="l" defTabSz="457200" rtl="0" eaLnBrk="1" latinLnBrk="0" hangingPunct="1">
       <a:defRPr sz="1800" kern="1200">
         <a:solidFill>
           <a:schemeClr val="tx1"/>
@@ -98,7 +99,7 @@
         <a:cs typeface="+mn-cs"/>
       </a:defRPr>
     </a:lvl8pPr>
-    <a:lvl9pPr marL="3657600" algn="l" defTabSz="914400" rtl="0" eaLnBrk="1" latinLnBrk="0" hangingPunct="1">
+    <a:lvl9pPr marL="3657600" algn="l" defTabSz="457200" rtl="0" eaLnBrk="1" latinLnBrk="0" hangingPunct="1">
       <a:defRPr sz="1800" kern="1200">
         <a:solidFill>
           <a:schemeClr val="tx1"/>
@@ -119,7 +120,7 @@
 
 <file path=ppt/slideLayouts/slideLayout1.xml><?xml version="1.0" encoding="utf-8"?>
 <p:sldLayout xmlns:a="http://schemas.openxmlformats.org/drawingml/2006/main" xmlns:r="http://schemas.openxmlformats.org/officeDocument/2006/relationships" xmlns:p="http://schemas.openxmlformats.org/presentationml/2006/main" type="title" preserve="1">
-  <p:cSld name="Titelfolie">
+  <p:cSld name="Title Slide">
     <p:spTree>
       <p:nvGrpSpPr>
         <p:cNvPr id="1" name=""/>
@@ -136,13 +137,7 @@
       </p:grpSpPr>
       <p:sp>
         <p:nvSpPr>
-          <p:cNvPr id="2" name="Titel 1">
-            <a:extLst>
-              <a:ext uri="{FF2B5EF4-FFF2-40B4-BE49-F238E27FC236}">
-                <a16:creationId xmlns:a16="http://schemas.microsoft.com/office/drawing/2014/main" id="{EFEF7434-412F-4CA1-9C16-B9E4F325E279}"/>
-              </a:ext>
-            </a:extLst>
-          </p:cNvPr>
+          <p:cNvPr id="2" name="Title 1"/>
           <p:cNvSpPr>
             <a:spLocks noGrp="1"/>
           </p:cNvSpPr>
@@ -152,8 +147,8 @@
         </p:nvSpPr>
         <p:spPr>
           <a:xfrm>
-            <a:off x="1524000" y="1122363"/>
-            <a:ext cx="9144000" cy="2387600"/>
+            <a:off x="685800" y="1122363"/>
+            <a:ext cx="7772400" cy="2387600"/>
           </a:xfrm>
         </p:spPr>
         <p:txBody>
@@ -165,22 +160,16 @@
           </a:lstStyle>
           <a:p>
             <a:r>
-              <a:rPr lang="de-DE"/>
-              <a:t>Mastertitelformat bearbeiten</a:t>
-            </a:r>
-            <a:endParaRPr lang="en-US"/>
-          </a:p>
-        </p:txBody>
-      </p:sp>
-      <p:sp>
-        <p:nvSpPr>
-          <p:cNvPr id="3" name="Untertitel 2">
-            <a:extLst>
-              <a:ext uri="{FF2B5EF4-FFF2-40B4-BE49-F238E27FC236}">
-                <a16:creationId xmlns:a16="http://schemas.microsoft.com/office/drawing/2014/main" id="{585C902B-3527-4735-8AF7-45B9BAB485F7}"/>
-              </a:ext>
-            </a:extLst>
-          </p:cNvPr>
+              <a:rPr lang="en-GB"/>
+              <a:t>Click to edit Master title style</a:t>
+            </a:r>
+            <a:endParaRPr lang="en-US" dirty="0"/>
+          </a:p>
+        </p:txBody>
+      </p:sp>
+      <p:sp>
+        <p:nvSpPr>
+          <p:cNvPr id="3" name="Subtitle 2"/>
           <p:cNvSpPr>
             <a:spLocks noGrp="1"/>
           </p:cNvSpPr>
@@ -190,8 +179,8 @@
         </p:nvSpPr>
         <p:spPr>
           <a:xfrm>
-            <a:off x="1524000" y="3602038"/>
-            <a:ext cx="9144000" cy="1655762"/>
+            <a:off x="1143000" y="3602038"/>
+            <a:ext cx="6858000" cy="1655762"/>
           </a:xfrm>
         </p:spPr>
         <p:txBody>
@@ -236,22 +225,16 @@
           </a:lstStyle>
           <a:p>
             <a:r>
-              <a:rPr lang="de-DE"/>
-              <a:t>Master-Untertitelformat bearbeiten</a:t>
-            </a:r>
-            <a:endParaRPr lang="en-US"/>
-          </a:p>
-        </p:txBody>
-      </p:sp>
-      <p:sp>
-        <p:nvSpPr>
-          <p:cNvPr id="4" name="Datumsplatzhalter 3">
-            <a:extLst>
-              <a:ext uri="{FF2B5EF4-FFF2-40B4-BE49-F238E27FC236}">
-                <a16:creationId xmlns:a16="http://schemas.microsoft.com/office/drawing/2014/main" id="{7EF36A57-CABE-4D66-95E2-4C6EF068E143}"/>
-              </a:ext>
-            </a:extLst>
-          </p:cNvPr>
+              <a:rPr lang="en-GB"/>
+              <a:t>Click to edit Master subtitle style</a:t>
+            </a:r>
+            <a:endParaRPr lang="en-US" dirty="0"/>
+          </a:p>
+        </p:txBody>
+      </p:sp>
+      <p:sp>
+        <p:nvSpPr>
+          <p:cNvPr id="4" name="Date Placeholder 3"/>
           <p:cNvSpPr>
             <a:spLocks noGrp="1"/>
           </p:cNvSpPr>
@@ -266,7 +249,7 @@
           <a:p>
             <a:fld id="{496946B5-1CC8-47A6-9E31-1FAAE4315D9B}" type="datetimeFigureOut">
               <a:rPr lang="en-US" smtClean="0"/>
-              <a:t>10/24/19</a:t>
+              <a:t>10/27/19</a:t>
             </a:fld>
             <a:endParaRPr lang="en-US"/>
           </a:p>
@@ -274,13 +257,7 @@
       </p:sp>
       <p:sp>
         <p:nvSpPr>
-          <p:cNvPr id="5" name="Fußzeilenplatzhalter 4">
-            <a:extLst>
-              <a:ext uri="{FF2B5EF4-FFF2-40B4-BE49-F238E27FC236}">
-                <a16:creationId xmlns:a16="http://schemas.microsoft.com/office/drawing/2014/main" id="{1A778662-8999-4D2A-8E51-055E63AB1A98}"/>
-              </a:ext>
-            </a:extLst>
-          </p:cNvPr>
+          <p:cNvPr id="5" name="Footer Placeholder 4"/>
           <p:cNvSpPr>
             <a:spLocks noGrp="1"/>
           </p:cNvSpPr>
@@ -299,13 +276,7 @@
       </p:sp>
       <p:sp>
         <p:nvSpPr>
-          <p:cNvPr id="6" name="Foliennummernplatzhalter 5">
-            <a:extLst>
-              <a:ext uri="{FF2B5EF4-FFF2-40B4-BE49-F238E27FC236}">
-                <a16:creationId xmlns:a16="http://schemas.microsoft.com/office/drawing/2014/main" id="{1A53F003-48E9-4172-874F-A933C58C8DC9}"/>
-              </a:ext>
-            </a:extLst>
-          </p:cNvPr>
+          <p:cNvPr id="6" name="Slide Number Placeholder 5"/>
           <p:cNvSpPr>
             <a:spLocks noGrp="1"/>
           </p:cNvSpPr>
@@ -329,7 +300,7 @@
     </p:spTree>
     <p:extLst>
       <p:ext uri="{BB962C8B-B14F-4D97-AF65-F5344CB8AC3E}">
-        <p14:creationId xmlns:p14="http://schemas.microsoft.com/office/powerpoint/2010/main" val="1569520564"/>
+        <p14:creationId xmlns:p14="http://schemas.microsoft.com/office/powerpoint/2010/main" val="1866482399"/>
       </p:ext>
     </p:extLst>
   </p:cSld>
@@ -341,7 +312,7 @@
 
 <file path=ppt/slideLayouts/slideLayout10.xml><?xml version="1.0" encoding="utf-8"?>
 <p:sldLayout xmlns:a="http://schemas.openxmlformats.org/drawingml/2006/main" xmlns:r="http://schemas.openxmlformats.org/officeDocument/2006/relationships" xmlns:p="http://schemas.openxmlformats.org/presentationml/2006/main" type="vertTx" preserve="1">
-  <p:cSld name="Titel und vertikaler Text">
+  <p:cSld name="Title and Vertical Text">
     <p:spTree>
       <p:nvGrpSpPr>
         <p:cNvPr id="1" name=""/>
@@ -358,13 +329,7 @@
       </p:grpSpPr>
       <p:sp>
         <p:nvSpPr>
-          <p:cNvPr id="2" name="Titel 1">
-            <a:extLst>
-              <a:ext uri="{FF2B5EF4-FFF2-40B4-BE49-F238E27FC236}">
-                <a16:creationId xmlns:a16="http://schemas.microsoft.com/office/drawing/2014/main" id="{969F03D2-4DD0-4455-B3AB-75E9A80646E3}"/>
-              </a:ext>
-            </a:extLst>
-          </p:cNvPr>
+          <p:cNvPr id="2" name="Title 1"/>
           <p:cNvSpPr>
             <a:spLocks noGrp="1"/>
           </p:cNvSpPr>
@@ -378,22 +343,16 @@
           <a:lstStyle/>
           <a:p>
             <a:r>
-              <a:rPr lang="de-DE"/>
-              <a:t>Mastertitelformat bearbeiten</a:t>
-            </a:r>
-            <a:endParaRPr lang="en-US"/>
-          </a:p>
-        </p:txBody>
-      </p:sp>
-      <p:sp>
-        <p:nvSpPr>
-          <p:cNvPr id="3" name="Vertikaler Textplatzhalter 2">
-            <a:extLst>
-              <a:ext uri="{FF2B5EF4-FFF2-40B4-BE49-F238E27FC236}">
-                <a16:creationId xmlns:a16="http://schemas.microsoft.com/office/drawing/2014/main" id="{F21E2AC2-4FA9-4D19-A3E7-F81D0D67C8D0}"/>
-              </a:ext>
-            </a:extLst>
-          </p:cNvPr>
+              <a:rPr lang="en-GB"/>
+              <a:t>Click to edit Master title style</a:t>
+            </a:r>
+            <a:endParaRPr lang="en-US" dirty="0"/>
+          </a:p>
+        </p:txBody>
+      </p:sp>
+      <p:sp>
+        <p:nvSpPr>
+          <p:cNvPr id="3" name="Vertical Text Placeholder 2"/>
           <p:cNvSpPr>
             <a:spLocks noGrp="1"/>
           </p:cNvSpPr>
@@ -408,50 +367,44 @@
           <a:p>
             <a:pPr lvl="0"/>
             <a:r>
-              <a:rPr lang="de-DE"/>
-              <a:t>Mastertextformat bearbeiten</a:t>
+              <a:rPr lang="en-GB"/>
+              <a:t>Click to edit Master text styles</a:t>
             </a:r>
           </a:p>
           <a:p>
             <a:pPr lvl="1"/>
             <a:r>
-              <a:rPr lang="de-DE"/>
-              <a:t>Zweite Ebene</a:t>
+              <a:rPr lang="en-GB"/>
+              <a:t>Second level</a:t>
             </a:r>
           </a:p>
           <a:p>
             <a:pPr lvl="2"/>
             <a:r>
-              <a:rPr lang="de-DE"/>
-              <a:t>Dritte Ebene</a:t>
+              <a:rPr lang="en-GB"/>
+              <a:t>Third level</a:t>
             </a:r>
           </a:p>
           <a:p>
             <a:pPr lvl="3"/>
             <a:r>
-              <a:rPr lang="de-DE"/>
-              <a:t>Vierte Ebene</a:t>
+              <a:rPr lang="en-GB"/>
+              <a:t>Fourth level</a:t>
             </a:r>
           </a:p>
           <a:p>
             <a:pPr lvl="4"/>
             <a:r>
-              <a:rPr lang="de-DE"/>
-              <a:t>Fünfte Ebene</a:t>
-            </a:r>
-            <a:endParaRPr lang="en-US"/>
-          </a:p>
-        </p:txBody>
-      </p:sp>
-      <p:sp>
-        <p:nvSpPr>
-          <p:cNvPr id="4" name="Datumsplatzhalter 3">
-            <a:extLst>
-              <a:ext uri="{FF2B5EF4-FFF2-40B4-BE49-F238E27FC236}">
-                <a16:creationId xmlns:a16="http://schemas.microsoft.com/office/drawing/2014/main" id="{EE47F860-0114-48C3-A7B6-908C6C626800}"/>
-              </a:ext>
-            </a:extLst>
-          </p:cNvPr>
+              <a:rPr lang="en-GB"/>
+              <a:t>Fifth level</a:t>
+            </a:r>
+            <a:endParaRPr lang="en-US" dirty="0"/>
+          </a:p>
+        </p:txBody>
+      </p:sp>
+      <p:sp>
+        <p:nvSpPr>
+          <p:cNvPr id="4" name="Date Placeholder 3"/>
           <p:cNvSpPr>
             <a:spLocks noGrp="1"/>
           </p:cNvSpPr>
@@ -466,7 +419,7 @@
           <a:p>
             <a:fld id="{496946B5-1CC8-47A6-9E31-1FAAE4315D9B}" type="datetimeFigureOut">
               <a:rPr lang="en-US" smtClean="0"/>
-              <a:t>10/24/19</a:t>
+              <a:t>10/27/19</a:t>
             </a:fld>
             <a:endParaRPr lang="en-US"/>
           </a:p>
@@ -474,13 +427,7 @@
       </p:sp>
       <p:sp>
         <p:nvSpPr>
-          <p:cNvPr id="5" name="Fußzeilenplatzhalter 4">
-            <a:extLst>
-              <a:ext uri="{FF2B5EF4-FFF2-40B4-BE49-F238E27FC236}">
-                <a16:creationId xmlns:a16="http://schemas.microsoft.com/office/drawing/2014/main" id="{DBAE0CD6-B4E2-4084-8B2B-1BC1AAAC8EA8}"/>
-              </a:ext>
-            </a:extLst>
-          </p:cNvPr>
+          <p:cNvPr id="5" name="Footer Placeholder 4"/>
           <p:cNvSpPr>
             <a:spLocks noGrp="1"/>
           </p:cNvSpPr>
@@ -499,13 +446,7 @@
       </p:sp>
       <p:sp>
         <p:nvSpPr>
-          <p:cNvPr id="6" name="Foliennummernplatzhalter 5">
-            <a:extLst>
-              <a:ext uri="{FF2B5EF4-FFF2-40B4-BE49-F238E27FC236}">
-                <a16:creationId xmlns:a16="http://schemas.microsoft.com/office/drawing/2014/main" id="{C39413CA-FBA3-447E-9723-0555052250F7}"/>
-              </a:ext>
-            </a:extLst>
-          </p:cNvPr>
+          <p:cNvPr id="6" name="Slide Number Placeholder 5"/>
           <p:cNvSpPr>
             <a:spLocks noGrp="1"/>
           </p:cNvSpPr>
@@ -529,7 +470,7 @@
     </p:spTree>
     <p:extLst>
       <p:ext uri="{BB962C8B-B14F-4D97-AF65-F5344CB8AC3E}">
-        <p14:creationId xmlns:p14="http://schemas.microsoft.com/office/powerpoint/2010/main" val="1792006954"/>
+        <p14:creationId xmlns:p14="http://schemas.microsoft.com/office/powerpoint/2010/main" val="1460318375"/>
       </p:ext>
     </p:extLst>
   </p:cSld>
@@ -541,7 +482,7 @@
 
 <file path=ppt/slideLayouts/slideLayout11.xml><?xml version="1.0" encoding="utf-8"?>
 <p:sldLayout xmlns:a="http://schemas.openxmlformats.org/drawingml/2006/main" xmlns:r="http://schemas.openxmlformats.org/officeDocument/2006/relationships" xmlns:p="http://schemas.openxmlformats.org/presentationml/2006/main" type="vertTitleAndTx" preserve="1">
-  <p:cSld name="Vertikaler Titel und Text">
+  <p:cSld name="Vertical Title and Text">
     <p:spTree>
       <p:nvGrpSpPr>
         <p:cNvPr id="1" name=""/>
@@ -558,13 +499,7 @@
       </p:grpSpPr>
       <p:sp>
         <p:nvSpPr>
-          <p:cNvPr id="2" name="Vertikaler Titel 1">
-            <a:extLst>
-              <a:ext uri="{FF2B5EF4-FFF2-40B4-BE49-F238E27FC236}">
-                <a16:creationId xmlns:a16="http://schemas.microsoft.com/office/drawing/2014/main" id="{F6BE8B96-1584-461F-AD61-BEA8C32F01AD}"/>
-              </a:ext>
-            </a:extLst>
-          </p:cNvPr>
+          <p:cNvPr id="2" name="Vertical Title 1"/>
           <p:cNvSpPr>
             <a:spLocks noGrp="1"/>
           </p:cNvSpPr>
@@ -574,8 +509,8 @@
         </p:nvSpPr>
         <p:spPr>
           <a:xfrm>
-            <a:off x="8724900" y="365125"/>
-            <a:ext cx="2628900" cy="5811838"/>
+            <a:off x="6543675" y="365125"/>
+            <a:ext cx="1971675" cy="5811838"/>
           </a:xfrm>
         </p:spPr>
         <p:txBody>
@@ -583,22 +518,16 @@
           <a:lstStyle/>
           <a:p>
             <a:r>
-              <a:rPr lang="de-DE"/>
-              <a:t>Mastertitelformat bearbeiten</a:t>
-            </a:r>
-            <a:endParaRPr lang="en-US"/>
-          </a:p>
-        </p:txBody>
-      </p:sp>
-      <p:sp>
-        <p:nvSpPr>
-          <p:cNvPr id="3" name="Vertikaler Textplatzhalter 2">
-            <a:extLst>
-              <a:ext uri="{FF2B5EF4-FFF2-40B4-BE49-F238E27FC236}">
-                <a16:creationId xmlns:a16="http://schemas.microsoft.com/office/drawing/2014/main" id="{13E26504-F564-4DE5-A80A-E777267925B8}"/>
-              </a:ext>
-            </a:extLst>
-          </p:cNvPr>
+              <a:rPr lang="en-GB"/>
+              <a:t>Click to edit Master title style</a:t>
+            </a:r>
+            <a:endParaRPr lang="en-US" dirty="0"/>
+          </a:p>
+        </p:txBody>
+      </p:sp>
+      <p:sp>
+        <p:nvSpPr>
+          <p:cNvPr id="3" name="Vertical Text Placeholder 2"/>
           <p:cNvSpPr>
             <a:spLocks noGrp="1"/>
           </p:cNvSpPr>
@@ -608,8 +537,8 @@
         </p:nvSpPr>
         <p:spPr>
           <a:xfrm>
-            <a:off x="838200" y="365125"/>
-            <a:ext cx="7734300" cy="5811838"/>
+            <a:off x="628650" y="365125"/>
+            <a:ext cx="5800725" cy="5811838"/>
           </a:xfrm>
         </p:spPr>
         <p:txBody>
@@ -618,50 +547,44 @@
           <a:p>
             <a:pPr lvl="0"/>
             <a:r>
-              <a:rPr lang="de-DE"/>
-              <a:t>Mastertextformat bearbeiten</a:t>
+              <a:rPr lang="en-GB"/>
+              <a:t>Click to edit Master text styles</a:t>
             </a:r>
           </a:p>
           <a:p>
             <a:pPr lvl="1"/>
             <a:r>
-              <a:rPr lang="de-DE"/>
-              <a:t>Zweite Ebene</a:t>
+              <a:rPr lang="en-GB"/>
+              <a:t>Second level</a:t>
             </a:r>
           </a:p>
           <a:p>
             <a:pPr lvl="2"/>
             <a:r>
-              <a:rPr lang="de-DE"/>
-              <a:t>Dritte Ebene</a:t>
+              <a:rPr lang="en-GB"/>
+              <a:t>Third level</a:t>
             </a:r>
           </a:p>
           <a:p>
             <a:pPr lvl="3"/>
             <a:r>
-              <a:rPr lang="de-DE"/>
-              <a:t>Vierte Ebene</a:t>
+              <a:rPr lang="en-GB"/>
+              <a:t>Fourth level</a:t>
             </a:r>
           </a:p>
           <a:p>
             <a:pPr lvl="4"/>
             <a:r>
-              <a:rPr lang="de-DE"/>
-              <a:t>Fünfte Ebene</a:t>
-            </a:r>
-            <a:endParaRPr lang="en-US"/>
-          </a:p>
-        </p:txBody>
-      </p:sp>
-      <p:sp>
-        <p:nvSpPr>
-          <p:cNvPr id="4" name="Datumsplatzhalter 3">
-            <a:extLst>
-              <a:ext uri="{FF2B5EF4-FFF2-40B4-BE49-F238E27FC236}">
-                <a16:creationId xmlns:a16="http://schemas.microsoft.com/office/drawing/2014/main" id="{E338EAE2-FF9A-433C-8D0B-DD1544F68845}"/>
-              </a:ext>
-            </a:extLst>
-          </p:cNvPr>
+              <a:rPr lang="en-GB"/>
+              <a:t>Fifth level</a:t>
+            </a:r>
+            <a:endParaRPr lang="en-US" dirty="0"/>
+          </a:p>
+        </p:txBody>
+      </p:sp>
+      <p:sp>
+        <p:nvSpPr>
+          <p:cNvPr id="4" name="Date Placeholder 3"/>
           <p:cNvSpPr>
             <a:spLocks noGrp="1"/>
           </p:cNvSpPr>
@@ -676,7 +599,7 @@
           <a:p>
             <a:fld id="{496946B5-1CC8-47A6-9E31-1FAAE4315D9B}" type="datetimeFigureOut">
               <a:rPr lang="en-US" smtClean="0"/>
-              <a:t>10/24/19</a:t>
+              <a:t>10/27/19</a:t>
             </a:fld>
             <a:endParaRPr lang="en-US"/>
           </a:p>
@@ -684,13 +607,7 @@
       </p:sp>
       <p:sp>
         <p:nvSpPr>
-          <p:cNvPr id="5" name="Fußzeilenplatzhalter 4">
-            <a:extLst>
-              <a:ext uri="{FF2B5EF4-FFF2-40B4-BE49-F238E27FC236}">
-                <a16:creationId xmlns:a16="http://schemas.microsoft.com/office/drawing/2014/main" id="{412D10E6-B6C2-4DCE-B2B1-2AA3C47E9FD9}"/>
-              </a:ext>
-            </a:extLst>
-          </p:cNvPr>
+          <p:cNvPr id="5" name="Footer Placeholder 4"/>
           <p:cNvSpPr>
             <a:spLocks noGrp="1"/>
           </p:cNvSpPr>
@@ -709,13 +626,7 @@
       </p:sp>
       <p:sp>
         <p:nvSpPr>
-          <p:cNvPr id="6" name="Foliennummernplatzhalter 5">
-            <a:extLst>
-              <a:ext uri="{FF2B5EF4-FFF2-40B4-BE49-F238E27FC236}">
-                <a16:creationId xmlns:a16="http://schemas.microsoft.com/office/drawing/2014/main" id="{62EB37F4-10E8-4EAF-B367-FC91E1B42470}"/>
-              </a:ext>
-            </a:extLst>
-          </p:cNvPr>
+          <p:cNvPr id="6" name="Slide Number Placeholder 5"/>
           <p:cNvSpPr>
             <a:spLocks noGrp="1"/>
           </p:cNvSpPr>
@@ -739,7 +650,7 @@
     </p:spTree>
     <p:extLst>
       <p:ext uri="{BB962C8B-B14F-4D97-AF65-F5344CB8AC3E}">
-        <p14:creationId xmlns:p14="http://schemas.microsoft.com/office/powerpoint/2010/main" val="1748535594"/>
+        <p14:creationId xmlns:p14="http://schemas.microsoft.com/office/powerpoint/2010/main" val="3832891655"/>
       </p:ext>
     </p:extLst>
   </p:cSld>
@@ -751,7 +662,7 @@
 
 <file path=ppt/slideLayouts/slideLayout2.xml><?xml version="1.0" encoding="utf-8"?>
 <p:sldLayout xmlns:a="http://schemas.openxmlformats.org/drawingml/2006/main" xmlns:r="http://schemas.openxmlformats.org/officeDocument/2006/relationships" xmlns:p="http://schemas.openxmlformats.org/presentationml/2006/main" type="obj" preserve="1">
-  <p:cSld name="Titel und Inhalt">
+  <p:cSld name="Title and Content">
     <p:spTree>
       <p:nvGrpSpPr>
         <p:cNvPr id="1" name=""/>
@@ -768,13 +679,7 @@
       </p:grpSpPr>
       <p:sp>
         <p:nvSpPr>
-          <p:cNvPr id="2" name="Titel 1">
-            <a:extLst>
-              <a:ext uri="{FF2B5EF4-FFF2-40B4-BE49-F238E27FC236}">
-                <a16:creationId xmlns:a16="http://schemas.microsoft.com/office/drawing/2014/main" id="{34BBC91D-0B9C-4D1B-A5B7-EA9615D7B62F}"/>
-              </a:ext>
-            </a:extLst>
-          </p:cNvPr>
+          <p:cNvPr id="2" name="Title 1"/>
           <p:cNvSpPr>
             <a:spLocks noGrp="1"/>
           </p:cNvSpPr>
@@ -788,22 +693,16 @@
           <a:lstStyle/>
           <a:p>
             <a:r>
-              <a:rPr lang="de-DE"/>
-              <a:t>Mastertitelformat bearbeiten</a:t>
-            </a:r>
-            <a:endParaRPr lang="en-US"/>
-          </a:p>
-        </p:txBody>
-      </p:sp>
-      <p:sp>
-        <p:nvSpPr>
-          <p:cNvPr id="3" name="Inhaltsplatzhalter 2">
-            <a:extLst>
-              <a:ext uri="{FF2B5EF4-FFF2-40B4-BE49-F238E27FC236}">
-                <a16:creationId xmlns:a16="http://schemas.microsoft.com/office/drawing/2014/main" id="{25CE2EEB-B23C-419B-8AC8-2C16C01921FA}"/>
-              </a:ext>
-            </a:extLst>
-          </p:cNvPr>
+              <a:rPr lang="en-GB"/>
+              <a:t>Click to edit Master title style</a:t>
+            </a:r>
+            <a:endParaRPr lang="en-US" dirty="0"/>
+          </a:p>
+        </p:txBody>
+      </p:sp>
+      <p:sp>
+        <p:nvSpPr>
+          <p:cNvPr id="3" name="Content Placeholder 2"/>
           <p:cNvSpPr>
             <a:spLocks noGrp="1"/>
           </p:cNvSpPr>
@@ -818,50 +717,44 @@
           <a:p>
             <a:pPr lvl="0"/>
             <a:r>
-              <a:rPr lang="de-DE"/>
-              <a:t>Mastertextformat bearbeiten</a:t>
+              <a:rPr lang="en-GB"/>
+              <a:t>Click to edit Master text styles</a:t>
             </a:r>
           </a:p>
           <a:p>
             <a:pPr lvl="1"/>
             <a:r>
-              <a:rPr lang="de-DE"/>
-              <a:t>Zweite Ebene</a:t>
+              <a:rPr lang="en-GB"/>
+              <a:t>Second level</a:t>
             </a:r>
           </a:p>
           <a:p>
             <a:pPr lvl="2"/>
             <a:r>
-              <a:rPr lang="de-DE"/>
-              <a:t>Dritte Ebene</a:t>
+              <a:rPr lang="en-GB"/>
+              <a:t>Third level</a:t>
             </a:r>
           </a:p>
           <a:p>
             <a:pPr lvl="3"/>
             <a:r>
-              <a:rPr lang="de-DE"/>
-              <a:t>Vierte Ebene</a:t>
+              <a:rPr lang="en-GB"/>
+              <a:t>Fourth level</a:t>
             </a:r>
           </a:p>
           <a:p>
             <a:pPr lvl="4"/>
             <a:r>
-              <a:rPr lang="de-DE"/>
-              <a:t>Fünfte Ebene</a:t>
-            </a:r>
-            <a:endParaRPr lang="en-US"/>
-          </a:p>
-        </p:txBody>
-      </p:sp>
-      <p:sp>
-        <p:nvSpPr>
-          <p:cNvPr id="4" name="Datumsplatzhalter 3">
-            <a:extLst>
-              <a:ext uri="{FF2B5EF4-FFF2-40B4-BE49-F238E27FC236}">
-                <a16:creationId xmlns:a16="http://schemas.microsoft.com/office/drawing/2014/main" id="{D2C9AD0A-D1DF-468C-AA58-7D62C3D031AF}"/>
-              </a:ext>
-            </a:extLst>
-          </p:cNvPr>
+              <a:rPr lang="en-GB"/>
+              <a:t>Fifth level</a:t>
+            </a:r>
+            <a:endParaRPr lang="en-US" dirty="0"/>
+          </a:p>
+        </p:txBody>
+      </p:sp>
+      <p:sp>
+        <p:nvSpPr>
+          <p:cNvPr id="4" name="Date Placeholder 3"/>
           <p:cNvSpPr>
             <a:spLocks noGrp="1"/>
           </p:cNvSpPr>
@@ -876,7 +769,7 @@
           <a:p>
             <a:fld id="{496946B5-1CC8-47A6-9E31-1FAAE4315D9B}" type="datetimeFigureOut">
               <a:rPr lang="en-US" smtClean="0"/>
-              <a:t>10/24/19</a:t>
+              <a:t>10/27/19</a:t>
             </a:fld>
             <a:endParaRPr lang="en-US"/>
           </a:p>
@@ -884,13 +777,7 @@
       </p:sp>
       <p:sp>
         <p:nvSpPr>
-          <p:cNvPr id="5" name="Fußzeilenplatzhalter 4">
-            <a:extLst>
-              <a:ext uri="{FF2B5EF4-FFF2-40B4-BE49-F238E27FC236}">
-                <a16:creationId xmlns:a16="http://schemas.microsoft.com/office/drawing/2014/main" id="{3E4AAC55-FE99-4615-9FC2-5D2F0AD4D883}"/>
-              </a:ext>
-            </a:extLst>
-          </p:cNvPr>
+          <p:cNvPr id="5" name="Footer Placeholder 4"/>
           <p:cNvSpPr>
             <a:spLocks noGrp="1"/>
           </p:cNvSpPr>
@@ -909,13 +796,7 @@
       </p:sp>
       <p:sp>
         <p:nvSpPr>
-          <p:cNvPr id="6" name="Foliennummernplatzhalter 5">
-            <a:extLst>
-              <a:ext uri="{FF2B5EF4-FFF2-40B4-BE49-F238E27FC236}">
-                <a16:creationId xmlns:a16="http://schemas.microsoft.com/office/drawing/2014/main" id="{0FEE9BB7-A20C-4C6E-8502-B28915A8C4B2}"/>
-              </a:ext>
-            </a:extLst>
-          </p:cNvPr>
+          <p:cNvPr id="6" name="Slide Number Placeholder 5"/>
           <p:cNvSpPr>
             <a:spLocks noGrp="1"/>
           </p:cNvSpPr>
@@ -939,7 +820,7 @@
     </p:spTree>
     <p:extLst>
       <p:ext uri="{BB962C8B-B14F-4D97-AF65-F5344CB8AC3E}">
-        <p14:creationId xmlns:p14="http://schemas.microsoft.com/office/powerpoint/2010/main" val="1301092160"/>
+        <p14:creationId xmlns:p14="http://schemas.microsoft.com/office/powerpoint/2010/main" val="1688750943"/>
       </p:ext>
     </p:extLst>
   </p:cSld>
@@ -951,7 +832,7 @@
 
 <file path=ppt/slideLayouts/slideLayout3.xml><?xml version="1.0" encoding="utf-8"?>
 <p:sldLayout xmlns:a="http://schemas.openxmlformats.org/drawingml/2006/main" xmlns:r="http://schemas.openxmlformats.org/officeDocument/2006/relationships" xmlns:p="http://schemas.openxmlformats.org/presentationml/2006/main" type="secHead" preserve="1">
-  <p:cSld name="Abschnitts-&#10;überschrift">
+  <p:cSld name="Section Header">
     <p:spTree>
       <p:nvGrpSpPr>
         <p:cNvPr id="1" name=""/>
@@ -968,13 +849,7 @@
       </p:grpSpPr>
       <p:sp>
         <p:nvSpPr>
-          <p:cNvPr id="2" name="Titel 1">
-            <a:extLst>
-              <a:ext uri="{FF2B5EF4-FFF2-40B4-BE49-F238E27FC236}">
-                <a16:creationId xmlns:a16="http://schemas.microsoft.com/office/drawing/2014/main" id="{67FE55FC-5933-4BE4-A26D-1001F308EB7A}"/>
-              </a:ext>
-            </a:extLst>
-          </p:cNvPr>
+          <p:cNvPr id="2" name="Title 1"/>
           <p:cNvSpPr>
             <a:spLocks noGrp="1"/>
           </p:cNvSpPr>
@@ -984,8 +859,8 @@
         </p:nvSpPr>
         <p:spPr>
           <a:xfrm>
-            <a:off x="831850" y="1709738"/>
-            <a:ext cx="10515600" cy="2852737"/>
+            <a:off x="623888" y="1709739"/>
+            <a:ext cx="7886700" cy="2852737"/>
           </a:xfrm>
         </p:spPr>
         <p:txBody>
@@ -997,22 +872,16 @@
           </a:lstStyle>
           <a:p>
             <a:r>
-              <a:rPr lang="de-DE"/>
-              <a:t>Mastertitelformat bearbeiten</a:t>
-            </a:r>
-            <a:endParaRPr lang="en-US"/>
-          </a:p>
-        </p:txBody>
-      </p:sp>
-      <p:sp>
-        <p:nvSpPr>
-          <p:cNvPr id="3" name="Textplatzhalter 2">
-            <a:extLst>
-              <a:ext uri="{FF2B5EF4-FFF2-40B4-BE49-F238E27FC236}">
-                <a16:creationId xmlns:a16="http://schemas.microsoft.com/office/drawing/2014/main" id="{62337501-1966-4CAE-A744-C1547BBA0351}"/>
-              </a:ext>
-            </a:extLst>
-          </p:cNvPr>
+              <a:rPr lang="en-GB"/>
+              <a:t>Click to edit Master title style</a:t>
+            </a:r>
+            <a:endParaRPr lang="en-US" dirty="0"/>
+          </a:p>
+        </p:txBody>
+      </p:sp>
+      <p:sp>
+        <p:nvSpPr>
+          <p:cNvPr id="3" name="Text Placeholder 2"/>
           <p:cNvSpPr>
             <a:spLocks noGrp="1"/>
           </p:cNvSpPr>
@@ -1022,8 +891,8 @@
         </p:nvSpPr>
         <p:spPr>
           <a:xfrm>
-            <a:off x="831850" y="4589463"/>
-            <a:ext cx="10515600" cy="1500187"/>
+            <a:off x="623888" y="4589464"/>
+            <a:ext cx="7886700" cy="1500187"/>
           </a:xfrm>
         </p:spPr>
         <p:txBody>
@@ -1033,9 +902,7 @@
               <a:buNone/>
               <a:defRPr sz="2400">
                 <a:solidFill>
-                  <a:schemeClr val="tx1">
-                    <a:tint val="75000"/>
-                  </a:schemeClr>
+                  <a:schemeClr val="tx1"/>
                 </a:solidFill>
               </a:defRPr>
             </a:lvl1pPr>
@@ -1123,21 +990,15 @@
           <a:p>
             <a:pPr lvl="0"/>
             <a:r>
-              <a:rPr lang="de-DE"/>
-              <a:t>Mastertextformat bearbeiten</a:t>
-            </a:r>
-          </a:p>
-        </p:txBody>
-      </p:sp>
-      <p:sp>
-        <p:nvSpPr>
-          <p:cNvPr id="4" name="Datumsplatzhalter 3">
-            <a:extLst>
-              <a:ext uri="{FF2B5EF4-FFF2-40B4-BE49-F238E27FC236}">
-                <a16:creationId xmlns:a16="http://schemas.microsoft.com/office/drawing/2014/main" id="{7AE3D250-9357-4142-8CA0-392CF80797F2}"/>
-              </a:ext>
-            </a:extLst>
-          </p:cNvPr>
+              <a:rPr lang="en-GB"/>
+              <a:t>Click to edit Master text styles</a:t>
+            </a:r>
+          </a:p>
+        </p:txBody>
+      </p:sp>
+      <p:sp>
+        <p:nvSpPr>
+          <p:cNvPr id="4" name="Date Placeholder 3"/>
           <p:cNvSpPr>
             <a:spLocks noGrp="1"/>
           </p:cNvSpPr>
@@ -1152,7 +1013,7 @@
           <a:p>
             <a:fld id="{496946B5-1CC8-47A6-9E31-1FAAE4315D9B}" type="datetimeFigureOut">
               <a:rPr lang="en-US" smtClean="0"/>
-              <a:t>10/24/19</a:t>
+              <a:t>10/27/19</a:t>
             </a:fld>
             <a:endParaRPr lang="en-US"/>
           </a:p>
@@ -1160,13 +1021,7 @@
       </p:sp>
       <p:sp>
         <p:nvSpPr>
-          <p:cNvPr id="5" name="Fußzeilenplatzhalter 4">
-            <a:extLst>
-              <a:ext uri="{FF2B5EF4-FFF2-40B4-BE49-F238E27FC236}">
-                <a16:creationId xmlns:a16="http://schemas.microsoft.com/office/drawing/2014/main" id="{4263438F-DA01-4129-8CF4-A74B1155E7D8}"/>
-              </a:ext>
-            </a:extLst>
-          </p:cNvPr>
+          <p:cNvPr id="5" name="Footer Placeholder 4"/>
           <p:cNvSpPr>
             <a:spLocks noGrp="1"/>
           </p:cNvSpPr>
@@ -1185,13 +1040,7 @@
       </p:sp>
       <p:sp>
         <p:nvSpPr>
-          <p:cNvPr id="6" name="Foliennummernplatzhalter 5">
-            <a:extLst>
-              <a:ext uri="{FF2B5EF4-FFF2-40B4-BE49-F238E27FC236}">
-                <a16:creationId xmlns:a16="http://schemas.microsoft.com/office/drawing/2014/main" id="{3DB56CF5-ECF7-4B9F-9764-F05C5B67FA12}"/>
-              </a:ext>
-            </a:extLst>
-          </p:cNvPr>
+          <p:cNvPr id="6" name="Slide Number Placeholder 5"/>
           <p:cNvSpPr>
             <a:spLocks noGrp="1"/>
           </p:cNvSpPr>
@@ -1215,7 +1064,7 @@
     </p:spTree>
     <p:extLst>
       <p:ext uri="{BB962C8B-B14F-4D97-AF65-F5344CB8AC3E}">
-        <p14:creationId xmlns:p14="http://schemas.microsoft.com/office/powerpoint/2010/main" val="1149530260"/>
+        <p14:creationId xmlns:p14="http://schemas.microsoft.com/office/powerpoint/2010/main" val="571528450"/>
       </p:ext>
     </p:extLst>
   </p:cSld>
@@ -1227,7 +1076,7 @@
 
 <file path=ppt/slideLayouts/slideLayout4.xml><?xml version="1.0" encoding="utf-8"?>
 <p:sldLayout xmlns:a="http://schemas.openxmlformats.org/drawingml/2006/main" xmlns:r="http://schemas.openxmlformats.org/officeDocument/2006/relationships" xmlns:p="http://schemas.openxmlformats.org/presentationml/2006/main" type="twoObj" preserve="1">
-  <p:cSld name="Zwei Inhalte">
+  <p:cSld name="Two Content">
     <p:spTree>
       <p:nvGrpSpPr>
         <p:cNvPr id="1" name=""/>
@@ -1244,13 +1093,7 @@
       </p:grpSpPr>
       <p:sp>
         <p:nvSpPr>
-          <p:cNvPr id="2" name="Titel 1">
-            <a:extLst>
-              <a:ext uri="{FF2B5EF4-FFF2-40B4-BE49-F238E27FC236}">
-                <a16:creationId xmlns:a16="http://schemas.microsoft.com/office/drawing/2014/main" id="{77A639B8-B62A-4C8D-8DC2-BDF4F0CF14E0}"/>
-              </a:ext>
-            </a:extLst>
-          </p:cNvPr>
+          <p:cNvPr id="2" name="Title 1"/>
           <p:cNvSpPr>
             <a:spLocks noGrp="1"/>
           </p:cNvSpPr>
@@ -1264,22 +1107,16 @@
           <a:lstStyle/>
           <a:p>
             <a:r>
-              <a:rPr lang="de-DE"/>
-              <a:t>Mastertitelformat bearbeiten</a:t>
-            </a:r>
-            <a:endParaRPr lang="en-US"/>
-          </a:p>
-        </p:txBody>
-      </p:sp>
-      <p:sp>
-        <p:nvSpPr>
-          <p:cNvPr id="3" name="Inhaltsplatzhalter 2">
-            <a:extLst>
-              <a:ext uri="{FF2B5EF4-FFF2-40B4-BE49-F238E27FC236}">
-                <a16:creationId xmlns:a16="http://schemas.microsoft.com/office/drawing/2014/main" id="{B909EB0B-0ACD-4A97-8039-A7C9D9326234}"/>
-              </a:ext>
-            </a:extLst>
-          </p:cNvPr>
+              <a:rPr lang="en-GB"/>
+              <a:t>Click to edit Master title style</a:t>
+            </a:r>
+            <a:endParaRPr lang="en-US" dirty="0"/>
+          </a:p>
+        </p:txBody>
+      </p:sp>
+      <p:sp>
+        <p:nvSpPr>
+          <p:cNvPr id="3" name="Content Placeholder 2"/>
           <p:cNvSpPr>
             <a:spLocks noGrp="1"/>
           </p:cNvSpPr>
@@ -1289,8 +1126,8 @@
         </p:nvSpPr>
         <p:spPr>
           <a:xfrm>
-            <a:off x="838200" y="1825625"/>
-            <a:ext cx="5181600" cy="4351338"/>
+            <a:off x="628650" y="1825625"/>
+            <a:ext cx="3886200" cy="4351338"/>
           </a:xfrm>
         </p:spPr>
         <p:txBody>
@@ -1299,50 +1136,44 @@
           <a:p>
             <a:pPr lvl="0"/>
             <a:r>
-              <a:rPr lang="de-DE"/>
-              <a:t>Mastertextformat bearbeiten</a:t>
+              <a:rPr lang="en-GB"/>
+              <a:t>Click to edit Master text styles</a:t>
             </a:r>
           </a:p>
           <a:p>
             <a:pPr lvl="1"/>
             <a:r>
-              <a:rPr lang="de-DE"/>
-              <a:t>Zweite Ebene</a:t>
+              <a:rPr lang="en-GB"/>
+              <a:t>Second level</a:t>
             </a:r>
           </a:p>
           <a:p>
             <a:pPr lvl="2"/>
             <a:r>
-              <a:rPr lang="de-DE"/>
-              <a:t>Dritte Ebene</a:t>
+              <a:rPr lang="en-GB"/>
+              <a:t>Third level</a:t>
             </a:r>
           </a:p>
           <a:p>
             <a:pPr lvl="3"/>
             <a:r>
-              <a:rPr lang="de-DE"/>
-              <a:t>Vierte Ebene</a:t>
+              <a:rPr lang="en-GB"/>
+              <a:t>Fourth level</a:t>
             </a:r>
           </a:p>
           <a:p>
             <a:pPr lvl="4"/>
             <a:r>
-              <a:rPr lang="de-DE"/>
-              <a:t>Fünfte Ebene</a:t>
-            </a:r>
-            <a:endParaRPr lang="en-US"/>
-          </a:p>
-        </p:txBody>
-      </p:sp>
-      <p:sp>
-        <p:nvSpPr>
-          <p:cNvPr id="4" name="Inhaltsplatzhalter 3">
-            <a:extLst>
-              <a:ext uri="{FF2B5EF4-FFF2-40B4-BE49-F238E27FC236}">
-                <a16:creationId xmlns:a16="http://schemas.microsoft.com/office/drawing/2014/main" id="{6AE845AA-62F6-439D-BF1C-11F627C65BC2}"/>
-              </a:ext>
-            </a:extLst>
-          </p:cNvPr>
+              <a:rPr lang="en-GB"/>
+              <a:t>Fifth level</a:t>
+            </a:r>
+            <a:endParaRPr lang="en-US" dirty="0"/>
+          </a:p>
+        </p:txBody>
+      </p:sp>
+      <p:sp>
+        <p:nvSpPr>
+          <p:cNvPr id="4" name="Content Placeholder 3"/>
           <p:cNvSpPr>
             <a:spLocks noGrp="1"/>
           </p:cNvSpPr>
@@ -1352,8 +1183,8 @@
         </p:nvSpPr>
         <p:spPr>
           <a:xfrm>
-            <a:off x="6172200" y="1825625"/>
-            <a:ext cx="5181600" cy="4351338"/>
+            <a:off x="4629150" y="1825625"/>
+            <a:ext cx="3886200" cy="4351338"/>
           </a:xfrm>
         </p:spPr>
         <p:txBody>
@@ -1362,50 +1193,44 @@
           <a:p>
             <a:pPr lvl="0"/>
             <a:r>
-              <a:rPr lang="de-DE"/>
-              <a:t>Mastertextformat bearbeiten</a:t>
+              <a:rPr lang="en-GB"/>
+              <a:t>Click to edit Master text styles</a:t>
             </a:r>
           </a:p>
           <a:p>
             <a:pPr lvl="1"/>
             <a:r>
-              <a:rPr lang="de-DE"/>
-              <a:t>Zweite Ebene</a:t>
+              <a:rPr lang="en-GB"/>
+              <a:t>Second level</a:t>
             </a:r>
           </a:p>
           <a:p>
             <a:pPr lvl="2"/>
             <a:r>
-              <a:rPr lang="de-DE"/>
-              <a:t>Dritte Ebene</a:t>
+              <a:rPr lang="en-GB"/>
+              <a:t>Third level</a:t>
             </a:r>
           </a:p>
           <a:p>
             <a:pPr lvl="3"/>
             <a:r>
-              <a:rPr lang="de-DE"/>
-              <a:t>Vierte Ebene</a:t>
+              <a:rPr lang="en-GB"/>
+              <a:t>Fourth level</a:t>
             </a:r>
           </a:p>
           <a:p>
             <a:pPr lvl="4"/>
             <a:r>
-              <a:rPr lang="de-DE"/>
-              <a:t>Fünfte Ebene</a:t>
-            </a:r>
-            <a:endParaRPr lang="en-US"/>
-          </a:p>
-        </p:txBody>
-      </p:sp>
-      <p:sp>
-        <p:nvSpPr>
-          <p:cNvPr id="5" name="Datumsplatzhalter 4">
-            <a:extLst>
-              <a:ext uri="{FF2B5EF4-FFF2-40B4-BE49-F238E27FC236}">
-                <a16:creationId xmlns:a16="http://schemas.microsoft.com/office/drawing/2014/main" id="{E8E04428-7746-4919-8E2F-B5DF2B6C640F}"/>
-              </a:ext>
-            </a:extLst>
-          </p:cNvPr>
+              <a:rPr lang="en-GB"/>
+              <a:t>Fifth level</a:t>
+            </a:r>
+            <a:endParaRPr lang="en-US" dirty="0"/>
+          </a:p>
+        </p:txBody>
+      </p:sp>
+      <p:sp>
+        <p:nvSpPr>
+          <p:cNvPr id="5" name="Date Placeholder 4"/>
           <p:cNvSpPr>
             <a:spLocks noGrp="1"/>
           </p:cNvSpPr>
@@ -1420,7 +1245,7 @@
           <a:p>
             <a:fld id="{496946B5-1CC8-47A6-9E31-1FAAE4315D9B}" type="datetimeFigureOut">
               <a:rPr lang="en-US" smtClean="0"/>
-              <a:t>10/24/19</a:t>
+              <a:t>10/27/19</a:t>
             </a:fld>
             <a:endParaRPr lang="en-US"/>
           </a:p>
@@ -1428,13 +1253,7 @@
       </p:sp>
       <p:sp>
         <p:nvSpPr>
-          <p:cNvPr id="6" name="Fußzeilenplatzhalter 5">
-            <a:extLst>
-              <a:ext uri="{FF2B5EF4-FFF2-40B4-BE49-F238E27FC236}">
-                <a16:creationId xmlns:a16="http://schemas.microsoft.com/office/drawing/2014/main" id="{17E4922F-309A-4D75-A0FE-4F461A4515B0}"/>
-              </a:ext>
-            </a:extLst>
-          </p:cNvPr>
+          <p:cNvPr id="6" name="Footer Placeholder 5"/>
           <p:cNvSpPr>
             <a:spLocks noGrp="1"/>
           </p:cNvSpPr>
@@ -1453,13 +1272,7 @@
       </p:sp>
       <p:sp>
         <p:nvSpPr>
-          <p:cNvPr id="7" name="Foliennummernplatzhalter 6">
-            <a:extLst>
-              <a:ext uri="{FF2B5EF4-FFF2-40B4-BE49-F238E27FC236}">
-                <a16:creationId xmlns:a16="http://schemas.microsoft.com/office/drawing/2014/main" id="{985E969B-F16D-4151-ADA7-D1B2F22AB3F0}"/>
-              </a:ext>
-            </a:extLst>
-          </p:cNvPr>
+          <p:cNvPr id="7" name="Slide Number Placeholder 6"/>
           <p:cNvSpPr>
             <a:spLocks noGrp="1"/>
           </p:cNvSpPr>
@@ -1483,7 +1296,7 @@
     </p:spTree>
     <p:extLst>
       <p:ext uri="{BB962C8B-B14F-4D97-AF65-F5344CB8AC3E}">
-        <p14:creationId xmlns:p14="http://schemas.microsoft.com/office/powerpoint/2010/main" val="3303549311"/>
+        <p14:creationId xmlns:p14="http://schemas.microsoft.com/office/powerpoint/2010/main" val="569642017"/>
       </p:ext>
     </p:extLst>
   </p:cSld>
@@ -1495,7 +1308,7 @@
 
 <file path=ppt/slideLayouts/slideLayout5.xml><?xml version="1.0" encoding="utf-8"?>
 <p:sldLayout xmlns:a="http://schemas.openxmlformats.org/drawingml/2006/main" xmlns:r="http://schemas.openxmlformats.org/officeDocument/2006/relationships" xmlns:p="http://schemas.openxmlformats.org/presentationml/2006/main" type="twoTxTwoObj" preserve="1">
-  <p:cSld name="Vergleich">
+  <p:cSld name="Comparison">
     <p:spTree>
       <p:nvGrpSpPr>
         <p:cNvPr id="1" name=""/>
@@ -1512,13 +1325,7 @@
       </p:grpSpPr>
       <p:sp>
         <p:nvSpPr>
-          <p:cNvPr id="2" name="Titel 1">
-            <a:extLst>
-              <a:ext uri="{FF2B5EF4-FFF2-40B4-BE49-F238E27FC236}">
-                <a16:creationId xmlns:a16="http://schemas.microsoft.com/office/drawing/2014/main" id="{5559CC4C-44E7-4136-B30D-BD5AE60C801F}"/>
-              </a:ext>
-            </a:extLst>
-          </p:cNvPr>
+          <p:cNvPr id="2" name="Title 1"/>
           <p:cNvSpPr>
             <a:spLocks noGrp="1"/>
           </p:cNvSpPr>
@@ -1528,8 +1335,8 @@
         </p:nvSpPr>
         <p:spPr>
           <a:xfrm>
-            <a:off x="839788" y="365125"/>
-            <a:ext cx="10515600" cy="1325563"/>
+            <a:off x="629841" y="365126"/>
+            <a:ext cx="7886700" cy="1325563"/>
           </a:xfrm>
         </p:spPr>
         <p:txBody>
@@ -1537,22 +1344,16 @@
           <a:lstStyle/>
           <a:p>
             <a:r>
-              <a:rPr lang="de-DE"/>
-              <a:t>Mastertitelformat bearbeiten</a:t>
-            </a:r>
-            <a:endParaRPr lang="en-US"/>
-          </a:p>
-        </p:txBody>
-      </p:sp>
-      <p:sp>
-        <p:nvSpPr>
-          <p:cNvPr id="3" name="Textplatzhalter 2">
-            <a:extLst>
-              <a:ext uri="{FF2B5EF4-FFF2-40B4-BE49-F238E27FC236}">
-                <a16:creationId xmlns:a16="http://schemas.microsoft.com/office/drawing/2014/main" id="{33818BED-15D6-44E7-B7E0-63F69FCF8198}"/>
-              </a:ext>
-            </a:extLst>
-          </p:cNvPr>
+              <a:rPr lang="en-GB"/>
+              <a:t>Click to edit Master title style</a:t>
+            </a:r>
+            <a:endParaRPr lang="en-US" dirty="0"/>
+          </a:p>
+        </p:txBody>
+      </p:sp>
+      <p:sp>
+        <p:nvSpPr>
+          <p:cNvPr id="3" name="Text Placeholder 2"/>
           <p:cNvSpPr>
             <a:spLocks noGrp="1"/>
           </p:cNvSpPr>
@@ -1562,8 +1363,8 @@
         </p:nvSpPr>
         <p:spPr>
           <a:xfrm>
-            <a:off x="839788" y="1681163"/>
-            <a:ext cx="5157787" cy="823912"/>
+            <a:off x="629842" y="1681163"/>
+            <a:ext cx="3868340" cy="823912"/>
           </a:xfrm>
         </p:spPr>
         <p:txBody>
@@ -1609,21 +1410,15 @@
           <a:p>
             <a:pPr lvl="0"/>
             <a:r>
-              <a:rPr lang="de-DE"/>
-              <a:t>Mastertextformat bearbeiten</a:t>
-            </a:r>
-          </a:p>
-        </p:txBody>
-      </p:sp>
-      <p:sp>
-        <p:nvSpPr>
-          <p:cNvPr id="4" name="Inhaltsplatzhalter 3">
-            <a:extLst>
-              <a:ext uri="{FF2B5EF4-FFF2-40B4-BE49-F238E27FC236}">
-                <a16:creationId xmlns:a16="http://schemas.microsoft.com/office/drawing/2014/main" id="{989586EB-FDF6-4983-95F5-F8CA1A115917}"/>
-              </a:ext>
-            </a:extLst>
-          </p:cNvPr>
+              <a:rPr lang="en-GB"/>
+              <a:t>Click to edit Master text styles</a:t>
+            </a:r>
+          </a:p>
+        </p:txBody>
+      </p:sp>
+      <p:sp>
+        <p:nvSpPr>
+          <p:cNvPr id="4" name="Content Placeholder 3"/>
           <p:cNvSpPr>
             <a:spLocks noGrp="1"/>
           </p:cNvSpPr>
@@ -1633,8 +1428,8 @@
         </p:nvSpPr>
         <p:spPr>
           <a:xfrm>
-            <a:off x="839788" y="2505075"/>
-            <a:ext cx="5157787" cy="3684588"/>
+            <a:off x="629842" y="2505075"/>
+            <a:ext cx="3868340" cy="3684588"/>
           </a:xfrm>
         </p:spPr>
         <p:txBody>
@@ -1643,50 +1438,44 @@
           <a:p>
             <a:pPr lvl="0"/>
             <a:r>
-              <a:rPr lang="de-DE"/>
-              <a:t>Mastertextformat bearbeiten</a:t>
+              <a:rPr lang="en-GB"/>
+              <a:t>Click to edit Master text styles</a:t>
             </a:r>
           </a:p>
           <a:p>
             <a:pPr lvl="1"/>
             <a:r>
-              <a:rPr lang="de-DE"/>
-              <a:t>Zweite Ebene</a:t>
+              <a:rPr lang="en-GB"/>
+              <a:t>Second level</a:t>
             </a:r>
           </a:p>
           <a:p>
             <a:pPr lvl="2"/>
             <a:r>
-              <a:rPr lang="de-DE"/>
-              <a:t>Dritte Ebene</a:t>
+              <a:rPr lang="en-GB"/>
+              <a:t>Third level</a:t>
             </a:r>
           </a:p>
           <a:p>
             <a:pPr lvl="3"/>
             <a:r>
-              <a:rPr lang="de-DE"/>
-              <a:t>Vierte Ebene</a:t>
+              <a:rPr lang="en-GB"/>
+              <a:t>Fourth level</a:t>
             </a:r>
           </a:p>
           <a:p>
             <a:pPr lvl="4"/>
             <a:r>
-              <a:rPr lang="de-DE"/>
-              <a:t>Fünfte Ebene</a:t>
-            </a:r>
-            <a:endParaRPr lang="en-US"/>
-          </a:p>
-        </p:txBody>
-      </p:sp>
-      <p:sp>
-        <p:nvSpPr>
-          <p:cNvPr id="5" name="Textplatzhalter 4">
-            <a:extLst>
-              <a:ext uri="{FF2B5EF4-FFF2-40B4-BE49-F238E27FC236}">
-                <a16:creationId xmlns:a16="http://schemas.microsoft.com/office/drawing/2014/main" id="{EBC35FCC-4E4F-40D0-9AAF-3FDFDE6C9F6F}"/>
-              </a:ext>
-            </a:extLst>
-          </p:cNvPr>
+              <a:rPr lang="en-GB"/>
+              <a:t>Fifth level</a:t>
+            </a:r>
+            <a:endParaRPr lang="en-US" dirty="0"/>
+          </a:p>
+        </p:txBody>
+      </p:sp>
+      <p:sp>
+        <p:nvSpPr>
+          <p:cNvPr id="5" name="Text Placeholder 4"/>
           <p:cNvSpPr>
             <a:spLocks noGrp="1"/>
           </p:cNvSpPr>
@@ -1696,8 +1485,8 @@
         </p:nvSpPr>
         <p:spPr>
           <a:xfrm>
-            <a:off x="6172200" y="1681163"/>
-            <a:ext cx="5183188" cy="823912"/>
+            <a:off x="4629150" y="1681163"/>
+            <a:ext cx="3887391" cy="823912"/>
           </a:xfrm>
         </p:spPr>
         <p:txBody>
@@ -1743,21 +1532,15 @@
           <a:p>
             <a:pPr lvl="0"/>
             <a:r>
-              <a:rPr lang="de-DE"/>
-              <a:t>Mastertextformat bearbeiten</a:t>
-            </a:r>
-          </a:p>
-        </p:txBody>
-      </p:sp>
-      <p:sp>
-        <p:nvSpPr>
-          <p:cNvPr id="6" name="Inhaltsplatzhalter 5">
-            <a:extLst>
-              <a:ext uri="{FF2B5EF4-FFF2-40B4-BE49-F238E27FC236}">
-                <a16:creationId xmlns:a16="http://schemas.microsoft.com/office/drawing/2014/main" id="{6E48263B-9C71-4637-95DD-8C33B11C76D9}"/>
-              </a:ext>
-            </a:extLst>
-          </p:cNvPr>
+              <a:rPr lang="en-GB"/>
+              <a:t>Click to edit Master text styles</a:t>
+            </a:r>
+          </a:p>
+        </p:txBody>
+      </p:sp>
+      <p:sp>
+        <p:nvSpPr>
+          <p:cNvPr id="6" name="Content Placeholder 5"/>
           <p:cNvSpPr>
             <a:spLocks noGrp="1"/>
           </p:cNvSpPr>
@@ -1767,8 +1550,8 @@
         </p:nvSpPr>
         <p:spPr>
           <a:xfrm>
-            <a:off x="6172200" y="2505075"/>
-            <a:ext cx="5183188" cy="3684588"/>
+            <a:off x="4629150" y="2505075"/>
+            <a:ext cx="3887391" cy="3684588"/>
           </a:xfrm>
         </p:spPr>
         <p:txBody>
@@ -1777,50 +1560,44 @@
           <a:p>
             <a:pPr lvl="0"/>
             <a:r>
-              <a:rPr lang="de-DE"/>
-              <a:t>Mastertextformat bearbeiten</a:t>
+              <a:rPr lang="en-GB"/>
+              <a:t>Click to edit Master text styles</a:t>
             </a:r>
           </a:p>
           <a:p>
             <a:pPr lvl="1"/>
             <a:r>
-              <a:rPr lang="de-DE"/>
-              <a:t>Zweite Ebene</a:t>
+              <a:rPr lang="en-GB"/>
+              <a:t>Second level</a:t>
             </a:r>
           </a:p>
           <a:p>
             <a:pPr lvl="2"/>
             <a:r>
-              <a:rPr lang="de-DE"/>
-              <a:t>Dritte Ebene</a:t>
+              <a:rPr lang="en-GB"/>
+              <a:t>Third level</a:t>
             </a:r>
           </a:p>
           <a:p>
             <a:pPr lvl="3"/>
             <a:r>
-              <a:rPr lang="de-DE"/>
-              <a:t>Vierte Ebene</a:t>
+              <a:rPr lang="en-GB"/>
+              <a:t>Fourth level</a:t>
             </a:r>
           </a:p>
           <a:p>
             <a:pPr lvl="4"/>
             <a:r>
-              <a:rPr lang="de-DE"/>
-              <a:t>Fünfte Ebene</a:t>
-            </a:r>
-            <a:endParaRPr lang="en-US"/>
-          </a:p>
-        </p:txBody>
-      </p:sp>
-      <p:sp>
-        <p:nvSpPr>
-          <p:cNvPr id="7" name="Datumsplatzhalter 6">
-            <a:extLst>
-              <a:ext uri="{FF2B5EF4-FFF2-40B4-BE49-F238E27FC236}">
-                <a16:creationId xmlns:a16="http://schemas.microsoft.com/office/drawing/2014/main" id="{7959A585-A203-4FDD-97BF-DFC19DF0323B}"/>
-              </a:ext>
-            </a:extLst>
-          </p:cNvPr>
+              <a:rPr lang="en-GB"/>
+              <a:t>Fifth level</a:t>
+            </a:r>
+            <a:endParaRPr lang="en-US" dirty="0"/>
+          </a:p>
+        </p:txBody>
+      </p:sp>
+      <p:sp>
+        <p:nvSpPr>
+          <p:cNvPr id="7" name="Date Placeholder 6"/>
           <p:cNvSpPr>
             <a:spLocks noGrp="1"/>
           </p:cNvSpPr>
@@ -1835,7 +1612,7 @@
           <a:p>
             <a:fld id="{496946B5-1CC8-47A6-9E31-1FAAE4315D9B}" type="datetimeFigureOut">
               <a:rPr lang="en-US" smtClean="0"/>
-              <a:t>10/24/19</a:t>
+              <a:t>10/27/19</a:t>
             </a:fld>
             <a:endParaRPr lang="en-US"/>
           </a:p>
@@ -1843,13 +1620,7 @@
       </p:sp>
       <p:sp>
         <p:nvSpPr>
-          <p:cNvPr id="8" name="Fußzeilenplatzhalter 7">
-            <a:extLst>
-              <a:ext uri="{FF2B5EF4-FFF2-40B4-BE49-F238E27FC236}">
-                <a16:creationId xmlns:a16="http://schemas.microsoft.com/office/drawing/2014/main" id="{565FC8C1-85E4-4330-A6BD-661FD31720D0}"/>
-              </a:ext>
-            </a:extLst>
-          </p:cNvPr>
+          <p:cNvPr id="8" name="Footer Placeholder 7"/>
           <p:cNvSpPr>
             <a:spLocks noGrp="1"/>
           </p:cNvSpPr>
@@ -1868,13 +1639,7 @@
       </p:sp>
       <p:sp>
         <p:nvSpPr>
-          <p:cNvPr id="9" name="Foliennummernplatzhalter 8">
-            <a:extLst>
-              <a:ext uri="{FF2B5EF4-FFF2-40B4-BE49-F238E27FC236}">
-                <a16:creationId xmlns:a16="http://schemas.microsoft.com/office/drawing/2014/main" id="{AB322D12-9571-459C-9FCE-43A16F81D7D8}"/>
-              </a:ext>
-            </a:extLst>
-          </p:cNvPr>
+          <p:cNvPr id="9" name="Slide Number Placeholder 8"/>
           <p:cNvSpPr>
             <a:spLocks noGrp="1"/>
           </p:cNvSpPr>
@@ -1898,7 +1663,7 @@
     </p:spTree>
     <p:extLst>
       <p:ext uri="{BB962C8B-B14F-4D97-AF65-F5344CB8AC3E}">
-        <p14:creationId xmlns:p14="http://schemas.microsoft.com/office/powerpoint/2010/main" val="2905547381"/>
+        <p14:creationId xmlns:p14="http://schemas.microsoft.com/office/powerpoint/2010/main" val="750754348"/>
       </p:ext>
     </p:extLst>
   </p:cSld>
@@ -1910,7 +1675,7 @@
 
 <file path=ppt/slideLayouts/slideLayout6.xml><?xml version="1.0" encoding="utf-8"?>
 <p:sldLayout xmlns:a="http://schemas.openxmlformats.org/drawingml/2006/main" xmlns:r="http://schemas.openxmlformats.org/officeDocument/2006/relationships" xmlns:p="http://schemas.openxmlformats.org/presentationml/2006/main" type="titleOnly" preserve="1">
-  <p:cSld name="Nur Titel">
+  <p:cSld name="Title Only">
     <p:spTree>
       <p:nvGrpSpPr>
         <p:cNvPr id="1" name=""/>
@@ -1927,13 +1692,7 @@
       </p:grpSpPr>
       <p:sp>
         <p:nvSpPr>
-          <p:cNvPr id="2" name="Titel 1">
-            <a:extLst>
-              <a:ext uri="{FF2B5EF4-FFF2-40B4-BE49-F238E27FC236}">
-                <a16:creationId xmlns:a16="http://schemas.microsoft.com/office/drawing/2014/main" id="{76FC9916-9D13-4138-89AC-B011EEAA90E9}"/>
-              </a:ext>
-            </a:extLst>
-          </p:cNvPr>
+          <p:cNvPr id="2" name="Title 1"/>
           <p:cNvSpPr>
             <a:spLocks noGrp="1"/>
           </p:cNvSpPr>
@@ -1947,22 +1706,16 @@
           <a:lstStyle/>
           <a:p>
             <a:r>
-              <a:rPr lang="de-DE"/>
-              <a:t>Mastertitelformat bearbeiten</a:t>
-            </a:r>
-            <a:endParaRPr lang="en-US"/>
-          </a:p>
-        </p:txBody>
-      </p:sp>
-      <p:sp>
-        <p:nvSpPr>
-          <p:cNvPr id="3" name="Datumsplatzhalter 2">
-            <a:extLst>
-              <a:ext uri="{FF2B5EF4-FFF2-40B4-BE49-F238E27FC236}">
-                <a16:creationId xmlns:a16="http://schemas.microsoft.com/office/drawing/2014/main" id="{34AE4FFF-7342-458A-9AE5-EA3B86F76BF5}"/>
-              </a:ext>
-            </a:extLst>
-          </p:cNvPr>
+              <a:rPr lang="en-GB"/>
+              <a:t>Click to edit Master title style</a:t>
+            </a:r>
+            <a:endParaRPr lang="en-US" dirty="0"/>
+          </a:p>
+        </p:txBody>
+      </p:sp>
+      <p:sp>
+        <p:nvSpPr>
+          <p:cNvPr id="3" name="Date Placeholder 2"/>
           <p:cNvSpPr>
             <a:spLocks noGrp="1"/>
           </p:cNvSpPr>
@@ -1977,7 +1730,7 @@
           <a:p>
             <a:fld id="{496946B5-1CC8-47A6-9E31-1FAAE4315D9B}" type="datetimeFigureOut">
               <a:rPr lang="en-US" smtClean="0"/>
-              <a:t>10/24/19</a:t>
+              <a:t>10/27/19</a:t>
             </a:fld>
             <a:endParaRPr lang="en-US"/>
           </a:p>
@@ -1985,13 +1738,7 @@
       </p:sp>
       <p:sp>
         <p:nvSpPr>
-          <p:cNvPr id="4" name="Fußzeilenplatzhalter 3">
-            <a:extLst>
-              <a:ext uri="{FF2B5EF4-FFF2-40B4-BE49-F238E27FC236}">
-                <a16:creationId xmlns:a16="http://schemas.microsoft.com/office/drawing/2014/main" id="{10B94F1F-30BF-4D39-8799-2BC22F0AFA46}"/>
-              </a:ext>
-            </a:extLst>
-          </p:cNvPr>
+          <p:cNvPr id="4" name="Footer Placeholder 3"/>
           <p:cNvSpPr>
             <a:spLocks noGrp="1"/>
           </p:cNvSpPr>
@@ -2010,13 +1757,7 @@
       </p:sp>
       <p:sp>
         <p:nvSpPr>
-          <p:cNvPr id="5" name="Foliennummernplatzhalter 4">
-            <a:extLst>
-              <a:ext uri="{FF2B5EF4-FFF2-40B4-BE49-F238E27FC236}">
-                <a16:creationId xmlns:a16="http://schemas.microsoft.com/office/drawing/2014/main" id="{AE08131C-A60B-4CCF-9D15-A9B4AC23839D}"/>
-              </a:ext>
-            </a:extLst>
-          </p:cNvPr>
+          <p:cNvPr id="5" name="Slide Number Placeholder 4"/>
           <p:cNvSpPr>
             <a:spLocks noGrp="1"/>
           </p:cNvSpPr>
@@ -2040,7 +1781,7 @@
     </p:spTree>
     <p:extLst>
       <p:ext uri="{BB962C8B-B14F-4D97-AF65-F5344CB8AC3E}">
-        <p14:creationId xmlns:p14="http://schemas.microsoft.com/office/powerpoint/2010/main" val="3849870172"/>
+        <p14:creationId xmlns:p14="http://schemas.microsoft.com/office/powerpoint/2010/main" val="3203735836"/>
       </p:ext>
     </p:extLst>
   </p:cSld>
@@ -2052,7 +1793,7 @@
 
 <file path=ppt/slideLayouts/slideLayout7.xml><?xml version="1.0" encoding="utf-8"?>
 <p:sldLayout xmlns:a="http://schemas.openxmlformats.org/drawingml/2006/main" xmlns:r="http://schemas.openxmlformats.org/officeDocument/2006/relationships" xmlns:p="http://schemas.openxmlformats.org/presentationml/2006/main" type="blank" preserve="1">
-  <p:cSld name="Leer">
+  <p:cSld name="Blank">
     <p:spTree>
       <p:nvGrpSpPr>
         <p:cNvPr id="1" name=""/>
@@ -2069,13 +1810,7 @@
       </p:grpSpPr>
       <p:sp>
         <p:nvSpPr>
-          <p:cNvPr id="2" name="Datumsplatzhalter 1">
-            <a:extLst>
-              <a:ext uri="{FF2B5EF4-FFF2-40B4-BE49-F238E27FC236}">
-                <a16:creationId xmlns:a16="http://schemas.microsoft.com/office/drawing/2014/main" id="{7852DF0D-E33F-4EF2-A3DE-BFD3F7A8D345}"/>
-              </a:ext>
-            </a:extLst>
-          </p:cNvPr>
+          <p:cNvPr id="2" name="Date Placeholder 1"/>
           <p:cNvSpPr>
             <a:spLocks noGrp="1"/>
           </p:cNvSpPr>
@@ -2090,7 +1825,7 @@
           <a:p>
             <a:fld id="{496946B5-1CC8-47A6-9E31-1FAAE4315D9B}" type="datetimeFigureOut">
               <a:rPr lang="en-US" smtClean="0"/>
-              <a:t>10/24/19</a:t>
+              <a:t>10/27/19</a:t>
             </a:fld>
             <a:endParaRPr lang="en-US"/>
           </a:p>
@@ -2098,13 +1833,7 @@
       </p:sp>
       <p:sp>
         <p:nvSpPr>
-          <p:cNvPr id="3" name="Fußzeilenplatzhalter 2">
-            <a:extLst>
-              <a:ext uri="{FF2B5EF4-FFF2-40B4-BE49-F238E27FC236}">
-                <a16:creationId xmlns:a16="http://schemas.microsoft.com/office/drawing/2014/main" id="{5588B60C-4AF0-469D-B704-162B4A36497F}"/>
-              </a:ext>
-            </a:extLst>
-          </p:cNvPr>
+          <p:cNvPr id="3" name="Footer Placeholder 2"/>
           <p:cNvSpPr>
             <a:spLocks noGrp="1"/>
           </p:cNvSpPr>
@@ -2123,13 +1852,7 @@
       </p:sp>
       <p:sp>
         <p:nvSpPr>
-          <p:cNvPr id="4" name="Foliennummernplatzhalter 3">
-            <a:extLst>
-              <a:ext uri="{FF2B5EF4-FFF2-40B4-BE49-F238E27FC236}">
-                <a16:creationId xmlns:a16="http://schemas.microsoft.com/office/drawing/2014/main" id="{6992B25F-45A6-4050-AEF2-07C78B138BCE}"/>
-              </a:ext>
-            </a:extLst>
-          </p:cNvPr>
+          <p:cNvPr id="4" name="Slide Number Placeholder 3"/>
           <p:cNvSpPr>
             <a:spLocks noGrp="1"/>
           </p:cNvSpPr>
@@ -2153,7 +1876,7 @@
     </p:spTree>
     <p:extLst>
       <p:ext uri="{BB962C8B-B14F-4D97-AF65-F5344CB8AC3E}">
-        <p14:creationId xmlns:p14="http://schemas.microsoft.com/office/powerpoint/2010/main" val="4247458029"/>
+        <p14:creationId xmlns:p14="http://schemas.microsoft.com/office/powerpoint/2010/main" val="1823190544"/>
       </p:ext>
     </p:extLst>
   </p:cSld>
@@ -2165,7 +1888,7 @@
 
 <file path=ppt/slideLayouts/slideLayout8.xml><?xml version="1.0" encoding="utf-8"?>
 <p:sldLayout xmlns:a="http://schemas.openxmlformats.org/drawingml/2006/main" xmlns:r="http://schemas.openxmlformats.org/officeDocument/2006/relationships" xmlns:p="http://schemas.openxmlformats.org/presentationml/2006/main" type="objTx" preserve="1">
-  <p:cSld name="Inhalt mit Überschrift">
+  <p:cSld name="Content with Caption">
     <p:spTree>
       <p:nvGrpSpPr>
         <p:cNvPr id="1" name=""/>
@@ -2182,13 +1905,7 @@
       </p:grpSpPr>
       <p:sp>
         <p:nvSpPr>
-          <p:cNvPr id="2" name="Titel 1">
-            <a:extLst>
-              <a:ext uri="{FF2B5EF4-FFF2-40B4-BE49-F238E27FC236}">
-                <a16:creationId xmlns:a16="http://schemas.microsoft.com/office/drawing/2014/main" id="{F5909F0D-9291-4CDA-828A-4333D7F70E61}"/>
-              </a:ext>
-            </a:extLst>
-          </p:cNvPr>
+          <p:cNvPr id="2" name="Title 1"/>
           <p:cNvSpPr>
             <a:spLocks noGrp="1"/>
           </p:cNvSpPr>
@@ -2198,8 +1915,8 @@
         </p:nvSpPr>
         <p:spPr>
           <a:xfrm>
-            <a:off x="839788" y="457200"/>
-            <a:ext cx="3932237" cy="1600200"/>
+            <a:off x="629841" y="457200"/>
+            <a:ext cx="2949178" cy="1600200"/>
           </a:xfrm>
         </p:spPr>
         <p:txBody>
@@ -2211,22 +1928,16 @@
           </a:lstStyle>
           <a:p>
             <a:r>
-              <a:rPr lang="de-DE"/>
-              <a:t>Mastertitelformat bearbeiten</a:t>
-            </a:r>
-            <a:endParaRPr lang="en-US"/>
-          </a:p>
-        </p:txBody>
-      </p:sp>
-      <p:sp>
-        <p:nvSpPr>
-          <p:cNvPr id="3" name="Inhaltsplatzhalter 2">
-            <a:extLst>
-              <a:ext uri="{FF2B5EF4-FFF2-40B4-BE49-F238E27FC236}">
-                <a16:creationId xmlns:a16="http://schemas.microsoft.com/office/drawing/2014/main" id="{53C1E02E-6DB5-4AB7-90E2-9D312630FAEC}"/>
-              </a:ext>
-            </a:extLst>
-          </p:cNvPr>
+              <a:rPr lang="en-GB"/>
+              <a:t>Click to edit Master title style</a:t>
+            </a:r>
+            <a:endParaRPr lang="en-US" dirty="0"/>
+          </a:p>
+        </p:txBody>
+      </p:sp>
+      <p:sp>
+        <p:nvSpPr>
+          <p:cNvPr id="3" name="Content Placeholder 2"/>
           <p:cNvSpPr>
             <a:spLocks noGrp="1"/>
           </p:cNvSpPr>
@@ -2236,8 +1947,8 @@
         </p:nvSpPr>
         <p:spPr>
           <a:xfrm>
-            <a:off x="5183188" y="987425"/>
-            <a:ext cx="6172200" cy="4873625"/>
+            <a:off x="3887391" y="987426"/>
+            <a:ext cx="4629150" cy="4873625"/>
           </a:xfrm>
         </p:spPr>
         <p:txBody>
@@ -2274,50 +1985,44 @@
           <a:p>
             <a:pPr lvl="0"/>
             <a:r>
-              <a:rPr lang="de-DE"/>
-              <a:t>Mastertextformat bearbeiten</a:t>
+              <a:rPr lang="en-GB"/>
+              <a:t>Click to edit Master text styles</a:t>
             </a:r>
           </a:p>
           <a:p>
             <a:pPr lvl="1"/>
             <a:r>
-              <a:rPr lang="de-DE"/>
-              <a:t>Zweite Ebene</a:t>
+              <a:rPr lang="en-GB"/>
+              <a:t>Second level</a:t>
             </a:r>
           </a:p>
           <a:p>
             <a:pPr lvl="2"/>
             <a:r>
-              <a:rPr lang="de-DE"/>
-              <a:t>Dritte Ebene</a:t>
+              <a:rPr lang="en-GB"/>
+              <a:t>Third level</a:t>
             </a:r>
           </a:p>
           <a:p>
             <a:pPr lvl="3"/>
             <a:r>
-              <a:rPr lang="de-DE"/>
-              <a:t>Vierte Ebene</a:t>
+              <a:rPr lang="en-GB"/>
+              <a:t>Fourth level</a:t>
             </a:r>
           </a:p>
           <a:p>
             <a:pPr lvl="4"/>
             <a:r>
-              <a:rPr lang="de-DE"/>
-              <a:t>Fünfte Ebene</a:t>
-            </a:r>
-            <a:endParaRPr lang="en-US"/>
-          </a:p>
-        </p:txBody>
-      </p:sp>
-      <p:sp>
-        <p:nvSpPr>
-          <p:cNvPr id="4" name="Textplatzhalter 3">
-            <a:extLst>
-              <a:ext uri="{FF2B5EF4-FFF2-40B4-BE49-F238E27FC236}">
-                <a16:creationId xmlns:a16="http://schemas.microsoft.com/office/drawing/2014/main" id="{24447C62-8254-4D8B-9D08-C90B84F25600}"/>
-              </a:ext>
-            </a:extLst>
-          </p:cNvPr>
+              <a:rPr lang="en-GB"/>
+              <a:t>Fifth level</a:t>
+            </a:r>
+            <a:endParaRPr lang="en-US" dirty="0"/>
+          </a:p>
+        </p:txBody>
+      </p:sp>
+      <p:sp>
+        <p:nvSpPr>
+          <p:cNvPr id="4" name="Text Placeholder 3"/>
           <p:cNvSpPr>
             <a:spLocks noGrp="1"/>
           </p:cNvSpPr>
@@ -2327,8 +2032,8 @@
         </p:nvSpPr>
         <p:spPr>
           <a:xfrm>
-            <a:off x="839788" y="2057400"/>
-            <a:ext cx="3932237" cy="3811588"/>
+            <a:off x="629841" y="2057400"/>
+            <a:ext cx="2949178" cy="3811588"/>
           </a:xfrm>
         </p:spPr>
         <p:txBody>
@@ -2374,21 +2079,15 @@
           <a:p>
             <a:pPr lvl="0"/>
             <a:r>
-              <a:rPr lang="de-DE"/>
-              <a:t>Mastertextformat bearbeiten</a:t>
-            </a:r>
-          </a:p>
-        </p:txBody>
-      </p:sp>
-      <p:sp>
-        <p:nvSpPr>
-          <p:cNvPr id="5" name="Datumsplatzhalter 4">
-            <a:extLst>
-              <a:ext uri="{FF2B5EF4-FFF2-40B4-BE49-F238E27FC236}">
-                <a16:creationId xmlns:a16="http://schemas.microsoft.com/office/drawing/2014/main" id="{94E51598-DC4B-44DC-89E6-1523F5AE2F48}"/>
-              </a:ext>
-            </a:extLst>
-          </p:cNvPr>
+              <a:rPr lang="en-GB"/>
+              <a:t>Click to edit Master text styles</a:t>
+            </a:r>
+          </a:p>
+        </p:txBody>
+      </p:sp>
+      <p:sp>
+        <p:nvSpPr>
+          <p:cNvPr id="5" name="Date Placeholder 4"/>
           <p:cNvSpPr>
             <a:spLocks noGrp="1"/>
           </p:cNvSpPr>
@@ -2403,7 +2102,7 @@
           <a:p>
             <a:fld id="{496946B5-1CC8-47A6-9E31-1FAAE4315D9B}" type="datetimeFigureOut">
               <a:rPr lang="en-US" smtClean="0"/>
-              <a:t>10/24/19</a:t>
+              <a:t>10/27/19</a:t>
             </a:fld>
             <a:endParaRPr lang="en-US"/>
           </a:p>
@@ -2411,13 +2110,7 @@
       </p:sp>
       <p:sp>
         <p:nvSpPr>
-          <p:cNvPr id="6" name="Fußzeilenplatzhalter 5">
-            <a:extLst>
-              <a:ext uri="{FF2B5EF4-FFF2-40B4-BE49-F238E27FC236}">
-                <a16:creationId xmlns:a16="http://schemas.microsoft.com/office/drawing/2014/main" id="{56F94AD0-AC4F-4CD4-A97B-E3942DE2F98E}"/>
-              </a:ext>
-            </a:extLst>
-          </p:cNvPr>
+          <p:cNvPr id="6" name="Footer Placeholder 5"/>
           <p:cNvSpPr>
             <a:spLocks noGrp="1"/>
           </p:cNvSpPr>
@@ -2436,13 +2129,7 @@
       </p:sp>
       <p:sp>
         <p:nvSpPr>
-          <p:cNvPr id="7" name="Foliennummernplatzhalter 6">
-            <a:extLst>
-              <a:ext uri="{FF2B5EF4-FFF2-40B4-BE49-F238E27FC236}">
-                <a16:creationId xmlns:a16="http://schemas.microsoft.com/office/drawing/2014/main" id="{35322597-16F8-46D3-8AFB-0A9B71E0CBDF}"/>
-              </a:ext>
-            </a:extLst>
-          </p:cNvPr>
+          <p:cNvPr id="7" name="Slide Number Placeholder 6"/>
           <p:cNvSpPr>
             <a:spLocks noGrp="1"/>
           </p:cNvSpPr>
@@ -2466,7 +2153,7 @@
     </p:spTree>
     <p:extLst>
       <p:ext uri="{BB962C8B-B14F-4D97-AF65-F5344CB8AC3E}">
-        <p14:creationId xmlns:p14="http://schemas.microsoft.com/office/powerpoint/2010/main" val="1339866733"/>
+        <p14:creationId xmlns:p14="http://schemas.microsoft.com/office/powerpoint/2010/main" val="2767842798"/>
       </p:ext>
     </p:extLst>
   </p:cSld>
@@ -2478,7 +2165,7 @@
 
 <file path=ppt/slideLayouts/slideLayout9.xml><?xml version="1.0" encoding="utf-8"?>
 <p:sldLayout xmlns:a="http://schemas.openxmlformats.org/drawingml/2006/main" xmlns:r="http://schemas.openxmlformats.org/officeDocument/2006/relationships" xmlns:p="http://schemas.openxmlformats.org/presentationml/2006/main" type="picTx" preserve="1">
-  <p:cSld name="Bild mit Überschrift">
+  <p:cSld name="Picture with Caption">
     <p:spTree>
       <p:nvGrpSpPr>
         <p:cNvPr id="1" name=""/>
@@ -2495,13 +2182,7 @@
       </p:grpSpPr>
       <p:sp>
         <p:nvSpPr>
-          <p:cNvPr id="2" name="Titel 1">
-            <a:extLst>
-              <a:ext uri="{FF2B5EF4-FFF2-40B4-BE49-F238E27FC236}">
-                <a16:creationId xmlns:a16="http://schemas.microsoft.com/office/drawing/2014/main" id="{EBF2B16D-9835-43BE-A502-C3CAACA9D7A5}"/>
-              </a:ext>
-            </a:extLst>
-          </p:cNvPr>
+          <p:cNvPr id="2" name="Title 1"/>
           <p:cNvSpPr>
             <a:spLocks noGrp="1"/>
           </p:cNvSpPr>
@@ -2511,8 +2192,8 @@
         </p:nvSpPr>
         <p:spPr>
           <a:xfrm>
-            <a:off x="839788" y="457200"/>
-            <a:ext cx="3932237" cy="1600200"/>
+            <a:off x="629841" y="457200"/>
+            <a:ext cx="2949178" cy="1600200"/>
           </a:xfrm>
         </p:spPr>
         <p:txBody>
@@ -2524,24 +2205,18 @@
           </a:lstStyle>
           <a:p>
             <a:r>
-              <a:rPr lang="de-DE"/>
-              <a:t>Mastertitelformat bearbeiten</a:t>
-            </a:r>
-            <a:endParaRPr lang="en-US"/>
-          </a:p>
-        </p:txBody>
-      </p:sp>
-      <p:sp>
-        <p:nvSpPr>
-          <p:cNvPr id="3" name="Bildplatzhalter 2">
-            <a:extLst>
-              <a:ext uri="{FF2B5EF4-FFF2-40B4-BE49-F238E27FC236}">
-                <a16:creationId xmlns:a16="http://schemas.microsoft.com/office/drawing/2014/main" id="{814398CD-1F90-44E9-84B1-E5E5761FCFE4}"/>
-              </a:ext>
-            </a:extLst>
-          </p:cNvPr>
-          <p:cNvSpPr>
-            <a:spLocks noGrp="1"/>
+              <a:rPr lang="en-GB"/>
+              <a:t>Click to edit Master title style</a:t>
+            </a:r>
+            <a:endParaRPr lang="en-US" dirty="0"/>
+          </a:p>
+        </p:txBody>
+      </p:sp>
+      <p:sp>
+        <p:nvSpPr>
+          <p:cNvPr id="3" name="Picture Placeholder 2"/>
+          <p:cNvSpPr>
+            <a:spLocks noGrp="1" noChangeAspect="1"/>
           </p:cNvSpPr>
           <p:nvPr>
             <p:ph type="pic" idx="1"/>
@@ -2549,12 +2224,12 @@
         </p:nvSpPr>
         <p:spPr>
           <a:xfrm>
-            <a:off x="5183188" y="987425"/>
-            <a:ext cx="6172200" cy="4873625"/>
+            <a:off x="3887391" y="987426"/>
+            <a:ext cx="4629150" cy="4873625"/>
           </a:xfrm>
         </p:spPr>
         <p:txBody>
-          <a:bodyPr/>
+          <a:bodyPr anchor="t"/>
           <a:lstStyle>
             <a:lvl1pPr marL="0" indent="0">
               <a:buNone/>
@@ -2594,19 +2269,17 @@
             </a:lvl9pPr>
           </a:lstStyle>
           <a:p>
-            <a:endParaRPr lang="en-US"/>
-          </a:p>
-        </p:txBody>
-      </p:sp>
-      <p:sp>
-        <p:nvSpPr>
-          <p:cNvPr id="4" name="Textplatzhalter 3">
-            <a:extLst>
-              <a:ext uri="{FF2B5EF4-FFF2-40B4-BE49-F238E27FC236}">
-                <a16:creationId xmlns:a16="http://schemas.microsoft.com/office/drawing/2014/main" id="{C37288D9-17D3-43B7-A98D-C6CB94434BBC}"/>
-              </a:ext>
-            </a:extLst>
-          </p:cNvPr>
+            <a:r>
+              <a:rPr lang="en-GB"/>
+              <a:t>Click icon to add picture</a:t>
+            </a:r>
+            <a:endParaRPr lang="en-US" dirty="0"/>
+          </a:p>
+        </p:txBody>
+      </p:sp>
+      <p:sp>
+        <p:nvSpPr>
+          <p:cNvPr id="4" name="Text Placeholder 3"/>
           <p:cNvSpPr>
             <a:spLocks noGrp="1"/>
           </p:cNvSpPr>
@@ -2616,8 +2289,8 @@
         </p:nvSpPr>
         <p:spPr>
           <a:xfrm>
-            <a:off x="839788" y="2057400"/>
-            <a:ext cx="3932237" cy="3811588"/>
+            <a:off x="629841" y="2057400"/>
+            <a:ext cx="2949178" cy="3811588"/>
           </a:xfrm>
         </p:spPr>
         <p:txBody>
@@ -2663,21 +2336,15 @@
           <a:p>
             <a:pPr lvl="0"/>
             <a:r>
-              <a:rPr lang="de-DE"/>
-              <a:t>Mastertextformat bearbeiten</a:t>
-            </a:r>
-          </a:p>
-        </p:txBody>
-      </p:sp>
-      <p:sp>
-        <p:nvSpPr>
-          <p:cNvPr id="5" name="Datumsplatzhalter 4">
-            <a:extLst>
-              <a:ext uri="{FF2B5EF4-FFF2-40B4-BE49-F238E27FC236}">
-                <a16:creationId xmlns:a16="http://schemas.microsoft.com/office/drawing/2014/main" id="{8CCBB172-5C73-4FD7-8F52-3091E65E8071}"/>
-              </a:ext>
-            </a:extLst>
-          </p:cNvPr>
+              <a:rPr lang="en-GB"/>
+              <a:t>Click to edit Master text styles</a:t>
+            </a:r>
+          </a:p>
+        </p:txBody>
+      </p:sp>
+      <p:sp>
+        <p:nvSpPr>
+          <p:cNvPr id="5" name="Date Placeholder 4"/>
           <p:cNvSpPr>
             <a:spLocks noGrp="1"/>
           </p:cNvSpPr>
@@ -2692,7 +2359,7 @@
           <a:p>
             <a:fld id="{496946B5-1CC8-47A6-9E31-1FAAE4315D9B}" type="datetimeFigureOut">
               <a:rPr lang="en-US" smtClean="0"/>
-              <a:t>10/24/19</a:t>
+              <a:t>10/27/19</a:t>
             </a:fld>
             <a:endParaRPr lang="en-US"/>
           </a:p>
@@ -2700,13 +2367,7 @@
       </p:sp>
       <p:sp>
         <p:nvSpPr>
-          <p:cNvPr id="6" name="Fußzeilenplatzhalter 5">
-            <a:extLst>
-              <a:ext uri="{FF2B5EF4-FFF2-40B4-BE49-F238E27FC236}">
-                <a16:creationId xmlns:a16="http://schemas.microsoft.com/office/drawing/2014/main" id="{1CEC1E68-5F5D-459E-99DA-646BC22DA967}"/>
-              </a:ext>
-            </a:extLst>
-          </p:cNvPr>
+          <p:cNvPr id="6" name="Footer Placeholder 5"/>
           <p:cNvSpPr>
             <a:spLocks noGrp="1"/>
           </p:cNvSpPr>
@@ -2725,13 +2386,7 @@
       </p:sp>
       <p:sp>
         <p:nvSpPr>
-          <p:cNvPr id="7" name="Foliennummernplatzhalter 6">
-            <a:extLst>
-              <a:ext uri="{FF2B5EF4-FFF2-40B4-BE49-F238E27FC236}">
-                <a16:creationId xmlns:a16="http://schemas.microsoft.com/office/drawing/2014/main" id="{A06BCDE8-0DAB-4EDA-A97B-0B74587BBC02}"/>
-              </a:ext>
-            </a:extLst>
-          </p:cNvPr>
+          <p:cNvPr id="7" name="Slide Number Placeholder 6"/>
           <p:cNvSpPr>
             <a:spLocks noGrp="1"/>
           </p:cNvSpPr>
@@ -2755,7 +2410,7 @@
     </p:spTree>
     <p:extLst>
       <p:ext uri="{BB962C8B-B14F-4D97-AF65-F5344CB8AC3E}">
-        <p14:creationId xmlns:p14="http://schemas.microsoft.com/office/powerpoint/2010/main" val="1181476351"/>
+        <p14:creationId xmlns:p14="http://schemas.microsoft.com/office/powerpoint/2010/main" val="3674734851"/>
       </p:ext>
     </p:extLst>
   </p:cSld>
@@ -2789,13 +2444,7 @@
       </p:grpSpPr>
       <p:sp>
         <p:nvSpPr>
-          <p:cNvPr id="2" name="Titelplatzhalter 1">
-            <a:extLst>
-              <a:ext uri="{FF2B5EF4-FFF2-40B4-BE49-F238E27FC236}">
-                <a16:creationId xmlns:a16="http://schemas.microsoft.com/office/drawing/2014/main" id="{532C9206-5597-4439-AF11-65A6C29A7B7D}"/>
-              </a:ext>
-            </a:extLst>
-          </p:cNvPr>
+          <p:cNvPr id="2" name="Title Placeholder 1"/>
           <p:cNvSpPr>
             <a:spLocks noGrp="1"/>
           </p:cNvSpPr>
@@ -2805,8 +2454,8 @@
         </p:nvSpPr>
         <p:spPr>
           <a:xfrm>
-            <a:off x="838200" y="365125"/>
-            <a:ext cx="10515600" cy="1325563"/>
+            <a:off x="628650" y="365126"/>
+            <a:ext cx="7886700" cy="1325563"/>
           </a:xfrm>
           <a:prstGeom prst="rect">
             <a:avLst/>
@@ -2819,22 +2468,16 @@
           <a:lstStyle/>
           <a:p>
             <a:r>
-              <a:rPr lang="de-DE"/>
-              <a:t>Mastertitelformat bearbeiten</a:t>
-            </a:r>
-            <a:endParaRPr lang="en-US"/>
-          </a:p>
-        </p:txBody>
-      </p:sp>
-      <p:sp>
-        <p:nvSpPr>
-          <p:cNvPr id="3" name="Textplatzhalter 2">
-            <a:extLst>
-              <a:ext uri="{FF2B5EF4-FFF2-40B4-BE49-F238E27FC236}">
-                <a16:creationId xmlns:a16="http://schemas.microsoft.com/office/drawing/2014/main" id="{ACF92903-2EC6-4086-8218-6F41D603587D}"/>
-              </a:ext>
-            </a:extLst>
-          </p:cNvPr>
+              <a:rPr lang="en-GB"/>
+              <a:t>Click to edit Master title style</a:t>
+            </a:r>
+            <a:endParaRPr lang="en-US" dirty="0"/>
+          </a:p>
+        </p:txBody>
+      </p:sp>
+      <p:sp>
+        <p:nvSpPr>
+          <p:cNvPr id="3" name="Text Placeholder 2"/>
           <p:cNvSpPr>
             <a:spLocks noGrp="1"/>
           </p:cNvSpPr>
@@ -2844,8 +2487,8 @@
         </p:nvSpPr>
         <p:spPr>
           <a:xfrm>
-            <a:off x="838200" y="1825625"/>
-            <a:ext cx="10515600" cy="4351338"/>
+            <a:off x="628650" y="1825625"/>
+            <a:ext cx="7886700" cy="4351338"/>
           </a:xfrm>
           <a:prstGeom prst="rect">
             <a:avLst/>
@@ -2859,50 +2502,44 @@
           <a:p>
             <a:pPr lvl="0"/>
             <a:r>
-              <a:rPr lang="de-DE"/>
-              <a:t>Mastertextformat bearbeiten</a:t>
+              <a:rPr lang="en-GB"/>
+              <a:t>Click to edit Master text styles</a:t>
             </a:r>
           </a:p>
           <a:p>
             <a:pPr lvl="1"/>
             <a:r>
-              <a:rPr lang="de-DE"/>
-              <a:t>Zweite Ebene</a:t>
+              <a:rPr lang="en-GB"/>
+              <a:t>Second level</a:t>
             </a:r>
           </a:p>
           <a:p>
             <a:pPr lvl="2"/>
             <a:r>
-              <a:rPr lang="de-DE"/>
-              <a:t>Dritte Ebene</a:t>
+              <a:rPr lang="en-GB"/>
+              <a:t>Third level</a:t>
             </a:r>
           </a:p>
           <a:p>
             <a:pPr lvl="3"/>
             <a:r>
-              <a:rPr lang="de-DE"/>
-              <a:t>Vierte Ebene</a:t>
+              <a:rPr lang="en-GB"/>
+              <a:t>Fourth level</a:t>
             </a:r>
           </a:p>
           <a:p>
             <a:pPr lvl="4"/>
             <a:r>
-              <a:rPr lang="de-DE"/>
-              <a:t>Fünfte Ebene</a:t>
-            </a:r>
-            <a:endParaRPr lang="en-US"/>
-          </a:p>
-        </p:txBody>
-      </p:sp>
-      <p:sp>
-        <p:nvSpPr>
-          <p:cNvPr id="4" name="Datumsplatzhalter 3">
-            <a:extLst>
-              <a:ext uri="{FF2B5EF4-FFF2-40B4-BE49-F238E27FC236}">
-                <a16:creationId xmlns:a16="http://schemas.microsoft.com/office/drawing/2014/main" id="{B851C12F-4526-42F8-8F85-389ACD0C6AF3}"/>
-              </a:ext>
-            </a:extLst>
-          </p:cNvPr>
+              <a:rPr lang="en-GB"/>
+              <a:t>Fifth level</a:t>
+            </a:r>
+            <a:endParaRPr lang="en-US" dirty="0"/>
+          </a:p>
+        </p:txBody>
+      </p:sp>
+      <p:sp>
+        <p:nvSpPr>
+          <p:cNvPr id="4" name="Date Placeholder 3"/>
           <p:cNvSpPr>
             <a:spLocks noGrp="1"/>
           </p:cNvSpPr>
@@ -2912,8 +2549,8 @@
         </p:nvSpPr>
         <p:spPr>
           <a:xfrm>
-            <a:off x="838200" y="6356350"/>
-            <a:ext cx="2743200" cy="365125"/>
+            <a:off x="628650" y="6356351"/>
+            <a:ext cx="2057400" cy="365125"/>
           </a:xfrm>
           <a:prstGeom prst="rect">
             <a:avLst/>
@@ -2935,7 +2572,7 @@
           <a:p>
             <a:fld id="{496946B5-1CC8-47A6-9E31-1FAAE4315D9B}" type="datetimeFigureOut">
               <a:rPr lang="en-US" smtClean="0"/>
-              <a:t>10/24/19</a:t>
+              <a:t>10/27/19</a:t>
             </a:fld>
             <a:endParaRPr lang="en-US"/>
           </a:p>
@@ -2943,13 +2580,7 @@
       </p:sp>
       <p:sp>
         <p:nvSpPr>
-          <p:cNvPr id="5" name="Fußzeilenplatzhalter 4">
-            <a:extLst>
-              <a:ext uri="{FF2B5EF4-FFF2-40B4-BE49-F238E27FC236}">
-                <a16:creationId xmlns:a16="http://schemas.microsoft.com/office/drawing/2014/main" id="{42B8BAB6-0DFA-4207-8C81-88139F61E47C}"/>
-              </a:ext>
-            </a:extLst>
-          </p:cNvPr>
+          <p:cNvPr id="5" name="Footer Placeholder 4"/>
           <p:cNvSpPr>
             <a:spLocks noGrp="1"/>
           </p:cNvSpPr>
@@ -2959,8 +2590,8 @@
         </p:nvSpPr>
         <p:spPr>
           <a:xfrm>
-            <a:off x="4038600" y="6356350"/>
-            <a:ext cx="4114800" cy="365125"/>
+            <a:off x="3028950" y="6356351"/>
+            <a:ext cx="3086100" cy="365125"/>
           </a:xfrm>
           <a:prstGeom prst="rect">
             <a:avLst/>
@@ -2986,13 +2617,7 @@
       </p:sp>
       <p:sp>
         <p:nvSpPr>
-          <p:cNvPr id="6" name="Foliennummernplatzhalter 5">
-            <a:extLst>
-              <a:ext uri="{FF2B5EF4-FFF2-40B4-BE49-F238E27FC236}">
-                <a16:creationId xmlns:a16="http://schemas.microsoft.com/office/drawing/2014/main" id="{78658A52-B738-4FF3-A73C-0E2682DFFC39}"/>
-              </a:ext>
-            </a:extLst>
-          </p:cNvPr>
+          <p:cNvPr id="6" name="Slide Number Placeholder 5"/>
           <p:cNvSpPr>
             <a:spLocks noGrp="1"/>
           </p:cNvSpPr>
@@ -3002,8 +2627,8 @@
         </p:nvSpPr>
         <p:spPr>
           <a:xfrm>
-            <a:off x="8610600" y="6356350"/>
-            <a:ext cx="2743200" cy="365125"/>
+            <a:off x="6457950" y="6356351"/>
+            <a:ext cx="2057400" cy="365125"/>
           </a:xfrm>
           <a:prstGeom prst="rect">
             <a:avLst/>
@@ -3034,23 +2659,23 @@
     </p:spTree>
     <p:extLst>
       <p:ext uri="{BB962C8B-B14F-4D97-AF65-F5344CB8AC3E}">
-        <p14:creationId xmlns:p14="http://schemas.microsoft.com/office/powerpoint/2010/main" val="3340484610"/>
+        <p14:creationId xmlns:p14="http://schemas.microsoft.com/office/powerpoint/2010/main" val="4130664273"/>
       </p:ext>
     </p:extLst>
   </p:cSld>
   <p:clrMap bg1="lt1" tx1="dk1" bg2="lt2" tx2="dk2" accent1="accent1" accent2="accent2" accent3="accent3" accent4="accent4" accent5="accent5" accent6="accent6" hlink="hlink" folHlink="folHlink"/>
   <p:sldLayoutIdLst>
-    <p:sldLayoutId id="2147483649" r:id="rId1"/>
-    <p:sldLayoutId id="2147483650" r:id="rId2"/>
-    <p:sldLayoutId id="2147483651" r:id="rId3"/>
-    <p:sldLayoutId id="2147483652" r:id="rId4"/>
-    <p:sldLayoutId id="2147483653" r:id="rId5"/>
-    <p:sldLayoutId id="2147483654" r:id="rId6"/>
-    <p:sldLayoutId id="2147483655" r:id="rId7"/>
-    <p:sldLayoutId id="2147483656" r:id="rId8"/>
-    <p:sldLayoutId id="2147483657" r:id="rId9"/>
-    <p:sldLayoutId id="2147483658" r:id="rId10"/>
-    <p:sldLayoutId id="2147483659" r:id="rId11"/>
+    <p:sldLayoutId id="2147483661" r:id="rId1"/>
+    <p:sldLayoutId id="2147483662" r:id="rId2"/>
+    <p:sldLayoutId id="2147483663" r:id="rId3"/>
+    <p:sldLayoutId id="2147483664" r:id="rId4"/>
+    <p:sldLayoutId id="2147483665" r:id="rId5"/>
+    <p:sldLayoutId id="2147483666" r:id="rId6"/>
+    <p:sldLayoutId id="2147483667" r:id="rId7"/>
+    <p:sldLayoutId id="2147483668" r:id="rId8"/>
+    <p:sldLayoutId id="2147483669" r:id="rId9"/>
+    <p:sldLayoutId id="2147483670" r:id="rId10"/>
+    <p:sldLayoutId id="2147483671" r:id="rId11"/>
   </p:sldLayoutIdLst>
   <p:txStyles>
     <p:titleStyle>
@@ -3238,7 +2863,7 @@
     </p:bodyStyle>
     <p:otherStyle>
       <a:defPPr>
-        <a:defRPr lang="de-DE"/>
+        <a:defRPr lang="en-US"/>
       </a:defPPr>
       <a:lvl1pPr marL="0" algn="l" defTabSz="914400" rtl="0" eaLnBrk="1" latinLnBrk="0" hangingPunct="1">
         <a:defRPr sz="1800" kern="1200">
@@ -3354,10 +2979,10 @@
       </p:grpSpPr>
       <p:pic>
         <p:nvPicPr>
-          <p:cNvPr id="4" name="Grafik 3">
+          <p:cNvPr id="3" name="Picture 2">
             <a:extLst>
               <a:ext uri="{FF2B5EF4-FFF2-40B4-BE49-F238E27FC236}">
-                <a16:creationId xmlns:a16="http://schemas.microsoft.com/office/drawing/2014/main" id="{C825AF09-BF5E-4FE1-9833-8931533F748A}"/>
+                <a16:creationId xmlns:a16="http://schemas.microsoft.com/office/drawing/2014/main" id="{28B36CB1-B3C4-ED4D-B985-148799430E99}"/>
               </a:ext>
             </a:extLst>
           </p:cNvPr>
@@ -3367,37 +2992,7 @@
           <p:nvPr/>
         </p:nvPicPr>
         <p:blipFill>
-          <a:blip r:embed="rId2"/>
-          <a:stretch>
-            <a:fillRect/>
-          </a:stretch>
-        </p:blipFill>
-        <p:spPr>
-          <a:xfrm>
-            <a:off x="1644931" y="0"/>
-            <a:ext cx="8902137" cy="6858000"/>
-          </a:xfrm>
-          <a:prstGeom prst="rect">
-            <a:avLst/>
-          </a:prstGeom>
-        </p:spPr>
-      </p:pic>
-      <p:pic>
-        <p:nvPicPr>
-          <p:cNvPr id="3" name="Picture 2">
-            <a:extLst>
-              <a:ext uri="{FF2B5EF4-FFF2-40B4-BE49-F238E27FC236}">
-                <a16:creationId xmlns:a16="http://schemas.microsoft.com/office/drawing/2014/main" id="{21CF6400-E7E0-A94D-8565-517FB74722EB}"/>
-              </a:ext>
-            </a:extLst>
-          </p:cNvPr>
-          <p:cNvPicPr>
-            <a:picLocks noChangeAspect="1"/>
-          </p:cNvPicPr>
-          <p:nvPr/>
-        </p:nvPicPr>
-        <p:blipFill>
-          <a:blip r:embed="rId3">
+          <a:blip r:embed="rId2">
             <a:extLst>
               <a:ext uri="{28A0092B-C50C-407E-A947-70E740481C1C}">
                 <a14:useLocalDpi xmlns:a14="http://schemas.microsoft.com/office/drawing/2010/main" val="0"/>
@@ -3410,8 +3005,8 @@
         </p:blipFill>
         <p:spPr>
           <a:xfrm>
-            <a:off x="758964" y="0"/>
-            <a:ext cx="10674072" cy="6858000"/>
+            <a:off x="38887" y="0"/>
+            <a:ext cx="9066226" cy="6858000"/>
           </a:xfrm>
           <a:prstGeom prst="rect">
             <a:avLst/>
@@ -3421,7 +3016,7 @@
     </p:spTree>
     <p:extLst>
       <p:ext uri="{BB962C8B-B14F-4D97-AF65-F5344CB8AC3E}">
-        <p14:creationId xmlns:p14="http://schemas.microsoft.com/office/powerpoint/2010/main" val="4067949429"/>
+        <p14:creationId xmlns:p14="http://schemas.microsoft.com/office/powerpoint/2010/main" val="921749009"/>
       </p:ext>
     </p:extLst>
   </p:cSld>
@@ -3450,10 +3045,10 @@
       </p:grpSpPr>
       <p:pic>
         <p:nvPicPr>
-          <p:cNvPr id="10" name="Picture 9">
+          <p:cNvPr id="19" name="Picture 18">
             <a:extLst>
               <a:ext uri="{FF2B5EF4-FFF2-40B4-BE49-F238E27FC236}">
-                <a16:creationId xmlns:a16="http://schemas.microsoft.com/office/drawing/2014/main" id="{CAA630FE-2186-3840-90BA-6AC4275E4FCC}"/>
+                <a16:creationId xmlns:a16="http://schemas.microsoft.com/office/drawing/2014/main" id="{CA7596B7-3F05-F04E-895C-64FFE95CA582}"/>
               </a:ext>
             </a:extLst>
           </p:cNvPr>
@@ -3476,8 +3071,8 @@
         </p:blipFill>
         <p:spPr>
           <a:xfrm>
-            <a:off x="758964" y="0"/>
-            <a:ext cx="10674072" cy="6858000"/>
+            <a:off x="38887" y="0"/>
+            <a:ext cx="9066226" cy="6858000"/>
           </a:xfrm>
           <a:prstGeom prst="rect">
             <a:avLst/>
@@ -3486,10 +3081,10 @@
       </p:pic>
       <p:sp>
         <p:nvSpPr>
-          <p:cNvPr id="2" name="Rechteck 1">
+          <p:cNvPr id="6" name="Rechteck 5">
             <a:extLst>
               <a:ext uri="{FF2B5EF4-FFF2-40B4-BE49-F238E27FC236}">
-                <a16:creationId xmlns:a16="http://schemas.microsoft.com/office/drawing/2014/main" id="{10282BE5-4C6D-4324-89E1-0787766B8B27}"/>
+                <a16:creationId xmlns:a16="http://schemas.microsoft.com/office/drawing/2014/main" id="{B4214D32-DA1C-2D4A-B2A6-9CEA3B229B56}"/>
               </a:ext>
             </a:extLst>
           </p:cNvPr>
@@ -3498,8 +3093,8 @@
         </p:nvSpPr>
         <p:spPr>
           <a:xfrm>
-            <a:off x="4454554" y="160638"/>
-            <a:ext cx="6221684" cy="4040659"/>
+            <a:off x="38887" y="857249"/>
+            <a:ext cx="2526891" cy="2500099"/>
           </a:xfrm>
           <a:prstGeom prst="rect">
             <a:avLst/>
@@ -3532,16 +3127,55 @@
           <a:lstStyle/>
           <a:p>
             <a:pPr algn="ctr"/>
-            <a:endParaRPr lang="en-US"/>
-          </a:p>
-        </p:txBody>
-      </p:sp>
-      <p:sp>
-        <p:nvSpPr>
-          <p:cNvPr id="5" name="Rechteck 4">
+            <a:endParaRPr lang="en-US" sz="1350"/>
+          </a:p>
+        </p:txBody>
+      </p:sp>
+      <p:sp>
+        <p:nvSpPr>
+          <p:cNvPr id="7" name="Textfeld 7">
             <a:extLst>
               <a:ext uri="{FF2B5EF4-FFF2-40B4-BE49-F238E27FC236}">
-                <a16:creationId xmlns:a16="http://schemas.microsoft.com/office/drawing/2014/main" id="{A8A2F661-461C-4228-A8D2-ED1006A7EBB3}"/>
+                <a16:creationId xmlns:a16="http://schemas.microsoft.com/office/drawing/2014/main" id="{33600783-4FDC-FB44-AF54-C79A5ECA4E9B}"/>
+              </a:ext>
+            </a:extLst>
+          </p:cNvPr>
+          <p:cNvSpPr txBox="1"/>
+          <p:nvPr/>
+        </p:nvSpPr>
+        <p:spPr>
+          <a:xfrm>
+            <a:off x="2276483" y="857248"/>
+            <a:ext cx="304334" cy="300082"/>
+          </a:xfrm>
+          <a:prstGeom prst="rect">
+            <a:avLst/>
+          </a:prstGeom>
+          <a:noFill/>
+        </p:spPr>
+        <p:txBody>
+          <a:bodyPr wrap="square" rtlCol="0">
+            <a:spAutoFit/>
+          </a:bodyPr>
+          <a:lstStyle/>
+          <a:p>
+            <a:r>
+              <a:rPr lang="en-US" sz="1350" dirty="0">
+                <a:solidFill>
+                  <a:srgbClr val="C00000"/>
+                </a:solidFill>
+              </a:rPr>
+              <a:t>3</a:t>
+            </a:r>
+          </a:p>
+        </p:txBody>
+      </p:sp>
+      <p:sp>
+        <p:nvSpPr>
+          <p:cNvPr id="8" name="Rechteck 4">
+            <a:extLst>
+              <a:ext uri="{FF2B5EF4-FFF2-40B4-BE49-F238E27FC236}">
+                <a16:creationId xmlns:a16="http://schemas.microsoft.com/office/drawing/2014/main" id="{98A59C07-01FE-C746-8F44-22CEEDEB5813}"/>
               </a:ext>
             </a:extLst>
           </p:cNvPr>
@@ -3550,8 +3184,8 @@
         </p:nvSpPr>
         <p:spPr>
           <a:xfrm>
-            <a:off x="4454554" y="4460336"/>
-            <a:ext cx="4071608" cy="2237026"/>
+            <a:off x="3149846" y="2987851"/>
+            <a:ext cx="3237305" cy="2348424"/>
           </a:xfrm>
           <a:prstGeom prst="rect">
             <a:avLst/>
@@ -3584,16 +3218,55 @@
           <a:lstStyle/>
           <a:p>
             <a:pPr algn="ctr"/>
-            <a:endParaRPr lang="en-US"/>
-          </a:p>
-        </p:txBody>
-      </p:sp>
-      <p:sp>
-        <p:nvSpPr>
-          <p:cNvPr id="6" name="Rechteck 5">
+            <a:endParaRPr lang="en-US" sz="1350"/>
+          </a:p>
+        </p:txBody>
+      </p:sp>
+      <p:sp>
+        <p:nvSpPr>
+          <p:cNvPr id="9" name="Textfeld 6">
             <a:extLst>
               <a:ext uri="{FF2B5EF4-FFF2-40B4-BE49-F238E27FC236}">
-                <a16:creationId xmlns:a16="http://schemas.microsoft.com/office/drawing/2014/main" id="{3607AB65-F69C-407E-A569-BA56D69C24EE}"/>
+                <a16:creationId xmlns:a16="http://schemas.microsoft.com/office/drawing/2014/main" id="{C980F878-022B-6D42-B681-780BDE5DD1EB}"/>
+              </a:ext>
+            </a:extLst>
+          </p:cNvPr>
+          <p:cNvSpPr txBox="1"/>
+          <p:nvPr/>
+        </p:nvSpPr>
+        <p:spPr>
+          <a:xfrm>
+            <a:off x="6170666" y="2992895"/>
+            <a:ext cx="269492" cy="300082"/>
+          </a:xfrm>
+          <a:prstGeom prst="rect">
+            <a:avLst/>
+          </a:prstGeom>
+          <a:noFill/>
+        </p:spPr>
+        <p:txBody>
+          <a:bodyPr wrap="square" rtlCol="0">
+            <a:spAutoFit/>
+          </a:bodyPr>
+          <a:lstStyle/>
+          <a:p>
+            <a:r>
+              <a:rPr lang="en-US" sz="1350" dirty="0">
+                <a:solidFill>
+                  <a:srgbClr val="C00000"/>
+                </a:solidFill>
+              </a:rPr>
+              <a:t>2</a:t>
+            </a:r>
+          </a:p>
+        </p:txBody>
+      </p:sp>
+      <p:sp>
+        <p:nvSpPr>
+          <p:cNvPr id="10" name="Rechteck 1">
+            <a:extLst>
+              <a:ext uri="{FF2B5EF4-FFF2-40B4-BE49-F238E27FC236}">
+                <a16:creationId xmlns:a16="http://schemas.microsoft.com/office/drawing/2014/main" id="{34145029-927B-C24F-8583-00ED0632AE97}"/>
               </a:ext>
             </a:extLst>
           </p:cNvPr>
@@ -3602,8 +3275,8 @@
         </p:nvSpPr>
         <p:spPr>
           <a:xfrm>
-            <a:off x="832763" y="75285"/>
-            <a:ext cx="2885813" cy="2207704"/>
+            <a:off x="3244038" y="-1"/>
+            <a:ext cx="5763484" cy="2844189"/>
           </a:xfrm>
           <a:prstGeom prst="rect">
             <a:avLst/>
@@ -3636,16 +3309,16 @@
           <a:lstStyle/>
           <a:p>
             <a:pPr algn="ctr"/>
-            <a:endParaRPr lang="en-US"/>
-          </a:p>
-        </p:txBody>
-      </p:sp>
-      <p:sp>
-        <p:nvSpPr>
-          <p:cNvPr id="3" name="Textfeld 2">
+            <a:endParaRPr lang="en-US" sz="1350"/>
+          </a:p>
+        </p:txBody>
+      </p:sp>
+      <p:sp>
+        <p:nvSpPr>
+          <p:cNvPr id="12" name="Textfeld 2">
             <a:extLst>
               <a:ext uri="{FF2B5EF4-FFF2-40B4-BE49-F238E27FC236}">
-                <a16:creationId xmlns:a16="http://schemas.microsoft.com/office/drawing/2014/main" id="{84B09F42-C700-492D-A385-E1099C817D11}"/>
+                <a16:creationId xmlns:a16="http://schemas.microsoft.com/office/drawing/2014/main" id="{1DFB19DD-EB4A-5E40-BD6C-3F5B44F2322B}"/>
               </a:ext>
             </a:extLst>
           </p:cNvPr>
@@ -3654,8 +3327,8 @@
         </p:nvSpPr>
         <p:spPr>
           <a:xfrm flipH="1">
-            <a:off x="10432852" y="160638"/>
-            <a:ext cx="243386" cy="369332"/>
+            <a:off x="8751343" y="-8885"/>
+            <a:ext cx="182540" cy="300082"/>
           </a:xfrm>
           <a:prstGeom prst="rect">
             <a:avLst/>
@@ -3669,7 +3342,7 @@
           <a:lstStyle/>
           <a:p>
             <a:r>
-              <a:rPr lang="en-US" dirty="0">
+              <a:rPr lang="en-US" sz="1350" dirty="0">
                 <a:solidFill>
                   <a:srgbClr val="C00000"/>
                 </a:solidFill>
@@ -3681,10 +3354,62 @@
       </p:sp>
       <p:sp>
         <p:nvSpPr>
-          <p:cNvPr id="8" name="Textfeld 7">
+          <p:cNvPr id="13" name="Rechteck 1">
             <a:extLst>
               <a:ext uri="{FF2B5EF4-FFF2-40B4-BE49-F238E27FC236}">
-                <a16:creationId xmlns:a16="http://schemas.microsoft.com/office/drawing/2014/main" id="{45CD0174-E069-4F5A-8235-8B0228F11992}"/>
+                <a16:creationId xmlns:a16="http://schemas.microsoft.com/office/drawing/2014/main" id="{4157603E-E54B-E146-B9D3-2F67E6C054E7}"/>
+              </a:ext>
+            </a:extLst>
+          </p:cNvPr>
+          <p:cNvSpPr/>
+          <p:nvPr/>
+        </p:nvSpPr>
+        <p:spPr>
+          <a:xfrm>
+            <a:off x="2276483" y="5451588"/>
+            <a:ext cx="3652369" cy="1406411"/>
+          </a:xfrm>
+          <a:prstGeom prst="rect">
+            <a:avLst/>
+          </a:prstGeom>
+          <a:noFill/>
+          <a:ln>
+            <a:solidFill>
+              <a:srgbClr val="C00000"/>
+            </a:solidFill>
+          </a:ln>
+        </p:spPr>
+        <p:style>
+          <a:lnRef idx="2">
+            <a:schemeClr val="accent1">
+              <a:shade val="50000"/>
+            </a:schemeClr>
+          </a:lnRef>
+          <a:fillRef idx="1">
+            <a:schemeClr val="accent1"/>
+          </a:fillRef>
+          <a:effectRef idx="0">
+            <a:schemeClr val="accent1"/>
+          </a:effectRef>
+          <a:fontRef idx="minor">
+            <a:schemeClr val="lt1"/>
+          </a:fontRef>
+        </p:style>
+        <p:txBody>
+          <a:bodyPr rtlCol="0" anchor="ctr"/>
+          <a:lstStyle/>
+          <a:p>
+            <a:pPr algn="ctr"/>
+            <a:endParaRPr lang="en-US" sz="1350"/>
+          </a:p>
+        </p:txBody>
+      </p:sp>
+      <p:sp>
+        <p:nvSpPr>
+          <p:cNvPr id="15" name="Textfeld 2">
+            <a:extLst>
+              <a:ext uri="{FF2B5EF4-FFF2-40B4-BE49-F238E27FC236}">
+                <a16:creationId xmlns:a16="http://schemas.microsoft.com/office/drawing/2014/main" id="{6691E63E-6EC5-9C46-921B-3A526654EFBB}"/>
               </a:ext>
             </a:extLst>
           </p:cNvPr>
@@ -3692,9 +3417,9 @@
           <p:nvPr/>
         </p:nvSpPr>
         <p:spPr>
-          <a:xfrm>
-            <a:off x="3434029" y="75285"/>
-            <a:ext cx="301686" cy="369332"/>
+          <a:xfrm flipH="1">
+            <a:off x="5677486" y="5451587"/>
+            <a:ext cx="182540" cy="300082"/>
           </a:xfrm>
           <a:prstGeom prst="rect">
             <a:avLst/>
@@ -3702,57 +3427,18 @@
           <a:noFill/>
         </p:spPr>
         <p:txBody>
-          <a:bodyPr wrap="none" rtlCol="0">
+          <a:bodyPr wrap="square" rtlCol="0">
             <a:spAutoFit/>
           </a:bodyPr>
           <a:lstStyle/>
           <a:p>
             <a:r>
-              <a:rPr lang="en-US" dirty="0">
+              <a:rPr lang="en-US" sz="1350" dirty="0">
                 <a:solidFill>
                   <a:srgbClr val="C00000"/>
                 </a:solidFill>
               </a:rPr>
-              <a:t>2</a:t>
-            </a:r>
-          </a:p>
-        </p:txBody>
-      </p:sp>
-      <p:sp>
-        <p:nvSpPr>
-          <p:cNvPr id="11" name="Textfeld 6">
-            <a:extLst>
-              <a:ext uri="{FF2B5EF4-FFF2-40B4-BE49-F238E27FC236}">
-                <a16:creationId xmlns:a16="http://schemas.microsoft.com/office/drawing/2014/main" id="{BB7D2D92-D1CB-8840-84D4-F40884165633}"/>
-              </a:ext>
-            </a:extLst>
-          </p:cNvPr>
-          <p:cNvSpPr txBox="1"/>
-          <p:nvPr/>
-        </p:nvSpPr>
-        <p:spPr>
-          <a:xfrm>
-            <a:off x="8263949" y="4467062"/>
-            <a:ext cx="338944" cy="374237"/>
-          </a:xfrm>
-          <a:prstGeom prst="rect">
-            <a:avLst/>
-          </a:prstGeom>
-          <a:noFill/>
-        </p:spPr>
-        <p:txBody>
-          <a:bodyPr wrap="square" rtlCol="0">
-            <a:spAutoFit/>
-          </a:bodyPr>
-          <a:lstStyle/>
-          <a:p>
-            <a:r>
-              <a:rPr lang="en-US" dirty="0">
-                <a:solidFill>
-                  <a:srgbClr val="C00000"/>
-                </a:solidFill>
-              </a:rPr>
-              <a:t>3</a:t>
+              <a:t>4</a:t>
             </a:r>
           </a:p>
         </p:txBody>
@@ -3760,7 +3446,7 @@
     </p:spTree>
     <p:extLst>
       <p:ext uri="{BB962C8B-B14F-4D97-AF65-F5344CB8AC3E}">
-        <p14:creationId xmlns:p14="http://schemas.microsoft.com/office/powerpoint/2010/main" val="2255576452"/>
+        <p14:creationId xmlns:p14="http://schemas.microsoft.com/office/powerpoint/2010/main" val="4067949429"/>
       </p:ext>
     </p:extLst>
   </p:cSld>
@@ -3789,10 +3475,10 @@
       </p:grpSpPr>
       <p:pic>
         <p:nvPicPr>
-          <p:cNvPr id="6" name="Picture 5">
+          <p:cNvPr id="7" name="Picture 6">
             <a:extLst>
               <a:ext uri="{FF2B5EF4-FFF2-40B4-BE49-F238E27FC236}">
-                <a16:creationId xmlns:a16="http://schemas.microsoft.com/office/drawing/2014/main" id="{D894C94E-4B94-EC41-AE2C-9DA9C52808DA}"/>
+                <a16:creationId xmlns:a16="http://schemas.microsoft.com/office/drawing/2014/main" id="{28302E14-676D-C547-A5BC-E000EA2855A9}"/>
               </a:ext>
             </a:extLst>
           </p:cNvPr>
@@ -3815,8 +3501,8 @@
         </p:blipFill>
         <p:spPr>
           <a:xfrm>
-            <a:off x="0" y="198986"/>
-            <a:ext cx="12192000" cy="6460027"/>
+            <a:off x="0" y="1110123"/>
+            <a:ext cx="9144000" cy="4637753"/>
           </a:xfrm>
           <a:prstGeom prst="rect">
             <a:avLst/>
@@ -3826,7 +3512,7 @@
     </p:spTree>
     <p:extLst>
       <p:ext uri="{BB962C8B-B14F-4D97-AF65-F5344CB8AC3E}">
-        <p14:creationId xmlns:p14="http://schemas.microsoft.com/office/powerpoint/2010/main" val="1616580012"/>
+        <p14:creationId xmlns:p14="http://schemas.microsoft.com/office/powerpoint/2010/main" val="2255576452"/>
       </p:ext>
     </p:extLst>
   </p:cSld>
@@ -3858,7 +3544,7 @@
           <p:cNvPr id="3" name="Picture 2">
             <a:extLst>
               <a:ext uri="{FF2B5EF4-FFF2-40B4-BE49-F238E27FC236}">
-                <a16:creationId xmlns:a16="http://schemas.microsoft.com/office/drawing/2014/main" id="{99CF1C08-07B1-DF4C-BE70-20068472B001}"/>
+                <a16:creationId xmlns:a16="http://schemas.microsoft.com/office/drawing/2014/main" id="{B14883EC-5A26-9749-A06B-8396BA77826D}"/>
               </a:ext>
             </a:extLst>
           </p:cNvPr>
@@ -3881,8 +3567,8 @@
         </p:blipFill>
         <p:spPr>
           <a:xfrm>
-            <a:off x="3625850" y="1327150"/>
-            <a:ext cx="4940300" cy="4203700"/>
+            <a:off x="0" y="1620576"/>
+            <a:ext cx="9144000" cy="3616847"/>
           </a:xfrm>
           <a:prstGeom prst="rect">
             <a:avLst/>
@@ -3892,7 +3578,7 @@
     </p:spTree>
     <p:extLst>
       <p:ext uri="{BB962C8B-B14F-4D97-AF65-F5344CB8AC3E}">
-        <p14:creationId xmlns:p14="http://schemas.microsoft.com/office/powerpoint/2010/main" val="383399356"/>
+        <p14:creationId xmlns:p14="http://schemas.microsoft.com/office/powerpoint/2010/main" val="2351938902"/>
       </p:ext>
     </p:extLst>
   </p:cSld>
@@ -3924,7 +3610,7 @@
           <p:cNvPr id="3" name="Picture 2">
             <a:extLst>
               <a:ext uri="{FF2B5EF4-FFF2-40B4-BE49-F238E27FC236}">
-                <a16:creationId xmlns:a16="http://schemas.microsoft.com/office/drawing/2014/main" id="{5C64B29E-1FBF-7D4E-A8D3-4A1E9F23BA8C}"/>
+                <a16:creationId xmlns:a16="http://schemas.microsoft.com/office/drawing/2014/main" id="{24A1A27B-03A7-C74D-BC6E-6478688CF93A}"/>
               </a:ext>
             </a:extLst>
           </p:cNvPr>
@@ -3947,8 +3633,8 @@
         </p:blipFill>
         <p:spPr>
           <a:xfrm>
-            <a:off x="920750" y="1447800"/>
-            <a:ext cx="10350500" cy="3962400"/>
+            <a:off x="2952750" y="863600"/>
+            <a:ext cx="3238500" cy="5130800"/>
           </a:xfrm>
           <a:prstGeom prst="rect">
             <a:avLst/>
@@ -3958,7 +3644,7 @@
     </p:spTree>
     <p:extLst>
       <p:ext uri="{BB962C8B-B14F-4D97-AF65-F5344CB8AC3E}">
-        <p14:creationId xmlns:p14="http://schemas.microsoft.com/office/powerpoint/2010/main" val="703186446"/>
+        <p14:creationId xmlns:p14="http://schemas.microsoft.com/office/powerpoint/2010/main" val="3587368240"/>
       </p:ext>
     </p:extLst>
   </p:cSld>
@@ -3987,10 +3673,10 @@
       </p:grpSpPr>
       <p:pic>
         <p:nvPicPr>
-          <p:cNvPr id="4" name="Grafik 3">
+          <p:cNvPr id="3" name="Picture 2">
             <a:extLst>
               <a:ext uri="{FF2B5EF4-FFF2-40B4-BE49-F238E27FC236}">
-                <a16:creationId xmlns:a16="http://schemas.microsoft.com/office/drawing/2014/main" id="{C825AF09-BF5E-4FE1-9833-8931533F748A}"/>
+                <a16:creationId xmlns:a16="http://schemas.microsoft.com/office/drawing/2014/main" id="{AE53A9E1-0CE1-1042-9074-185842EDD465}"/>
               </a:ext>
             </a:extLst>
           </p:cNvPr>
@@ -4000,37 +3686,7 @@
           <p:nvPr/>
         </p:nvPicPr>
         <p:blipFill>
-          <a:blip r:embed="rId2"/>
-          <a:stretch>
-            <a:fillRect/>
-          </a:stretch>
-        </p:blipFill>
-        <p:spPr>
-          <a:xfrm>
-            <a:off x="1644931" y="0"/>
-            <a:ext cx="8902137" cy="6858000"/>
-          </a:xfrm>
-          <a:prstGeom prst="rect">
-            <a:avLst/>
-          </a:prstGeom>
-        </p:spPr>
-      </p:pic>
-      <p:pic>
-        <p:nvPicPr>
-          <p:cNvPr id="3" name="Picture 2">
-            <a:extLst>
-              <a:ext uri="{FF2B5EF4-FFF2-40B4-BE49-F238E27FC236}">
-                <a16:creationId xmlns:a16="http://schemas.microsoft.com/office/drawing/2014/main" id="{21CF6400-E7E0-A94D-8565-517FB74722EB}"/>
-              </a:ext>
-            </a:extLst>
-          </p:cNvPr>
-          <p:cNvPicPr>
-            <a:picLocks noChangeAspect="1"/>
-          </p:cNvPicPr>
-          <p:nvPr/>
-        </p:nvPicPr>
-        <p:blipFill>
-          <a:blip r:embed="rId3">
+          <a:blip r:embed="rId2">
             <a:extLst>
               <a:ext uri="{28A0092B-C50C-407E-A947-70E740481C1C}">
                 <a14:useLocalDpi xmlns:a14="http://schemas.microsoft.com/office/drawing/2010/main" val="0"/>
@@ -4043,8 +3699,8 @@
         </p:blipFill>
         <p:spPr>
           <a:xfrm>
-            <a:off x="758964" y="0"/>
-            <a:ext cx="10674072" cy="6858000"/>
+            <a:off x="203200" y="1778000"/>
+            <a:ext cx="8737600" cy="3302000"/>
           </a:xfrm>
           <a:prstGeom prst="rect">
             <a:avLst/>
@@ -4054,7 +3710,73 @@
     </p:spTree>
     <p:extLst>
       <p:ext uri="{BB962C8B-B14F-4D97-AF65-F5344CB8AC3E}">
-        <p14:creationId xmlns:p14="http://schemas.microsoft.com/office/powerpoint/2010/main" val="2063741649"/>
+        <p14:creationId xmlns:p14="http://schemas.microsoft.com/office/powerpoint/2010/main" val="1616580012"/>
+      </p:ext>
+    </p:extLst>
+  </p:cSld>
+  <p:clrMapOvr>
+    <a:masterClrMapping/>
+  </p:clrMapOvr>
+</p:sld>
+</file>
+
+<file path=ppt/slides/slide7.xml><?xml version="1.0" encoding="utf-8"?>
+<p:sld xmlns:a="http://schemas.openxmlformats.org/drawingml/2006/main" xmlns:r="http://schemas.openxmlformats.org/officeDocument/2006/relationships" xmlns:p="http://schemas.openxmlformats.org/presentationml/2006/main">
+  <p:cSld>
+    <p:spTree>
+      <p:nvGrpSpPr>
+        <p:cNvPr id="1" name=""/>
+        <p:cNvGrpSpPr/>
+        <p:nvPr/>
+      </p:nvGrpSpPr>
+      <p:grpSpPr>
+        <a:xfrm>
+          <a:off x="0" y="0"/>
+          <a:ext cx="0" cy="0"/>
+          <a:chOff x="0" y="0"/>
+          <a:chExt cx="0" cy="0"/>
+        </a:xfrm>
+      </p:grpSpPr>
+      <p:pic>
+        <p:nvPicPr>
+          <p:cNvPr id="3" name="Picture 2">
+            <a:extLst>
+              <a:ext uri="{FF2B5EF4-FFF2-40B4-BE49-F238E27FC236}">
+                <a16:creationId xmlns:a16="http://schemas.microsoft.com/office/drawing/2014/main" id="{28B36CB1-B3C4-ED4D-B985-148799430E99}"/>
+              </a:ext>
+            </a:extLst>
+          </p:cNvPr>
+          <p:cNvPicPr>
+            <a:picLocks noChangeAspect="1"/>
+          </p:cNvPicPr>
+          <p:nvPr/>
+        </p:nvPicPr>
+        <p:blipFill>
+          <a:blip r:embed="rId2">
+            <a:extLst>
+              <a:ext uri="{28A0092B-C50C-407E-A947-70E740481C1C}">
+                <a14:useLocalDpi xmlns:a14="http://schemas.microsoft.com/office/drawing/2010/main" val="0"/>
+              </a:ext>
+            </a:extLst>
+          </a:blip>
+          <a:stretch>
+            <a:fillRect/>
+          </a:stretch>
+        </p:blipFill>
+        <p:spPr>
+          <a:xfrm>
+            <a:off x="38887" y="0"/>
+            <a:ext cx="9066226" cy="6858000"/>
+          </a:xfrm>
+          <a:prstGeom prst="rect">
+            <a:avLst/>
+          </a:prstGeom>
+        </p:spPr>
+      </p:pic>
+    </p:spTree>
+    <p:extLst>
+      <p:ext uri="{BB962C8B-B14F-4D97-AF65-F5344CB8AC3E}">
+        <p14:creationId xmlns:p14="http://schemas.microsoft.com/office/powerpoint/2010/main" val="1743009278"/>
       </p:ext>
     </p:extLst>
   </p:cSld>
@@ -4067,7 +3789,7 @@
 <file path=ppt/theme/theme1.xml><?xml version="1.0" encoding="utf-8"?>
 <a:theme xmlns:a="http://schemas.openxmlformats.org/drawingml/2006/main" name="Office">
   <a:themeElements>
-    <a:clrScheme name="Office">
+    <a:clrScheme name="Office Theme">
       <a:dk1>
         <a:sysClr val="windowText" lastClr="000000"/>
       </a:dk1>
@@ -4105,7 +3827,7 @@
         <a:srgbClr val="954F72"/>
       </a:folHlink>
     </a:clrScheme>
-    <a:fontScheme name="Office">
+    <a:fontScheme name="Office Theme">
       <a:majorFont>
         <a:latin typeface="Calibri Light" panose="020F0302020204030204"/>
         <a:ea typeface=""/>
@@ -4140,23 +3862,6 @@
         <a:font script="Viet" typeface="Times New Roman"/>
         <a:font script="Uigh" typeface="Microsoft Uighur"/>
         <a:font script="Geor" typeface="Sylfaen"/>
-        <a:font script="Armn" typeface="Arial"/>
-        <a:font script="Bugi" typeface="Leelawadee UI"/>
-        <a:font script="Bopo" typeface="Microsoft JhengHei"/>
-        <a:font script="Java" typeface="Javanese Text"/>
-        <a:font script="Lisu" typeface="Segoe UI"/>
-        <a:font script="Mymr" typeface="Myanmar Text"/>
-        <a:font script="Nkoo" typeface="Ebrima"/>
-        <a:font script="Olck" typeface="Nirmala UI"/>
-        <a:font script="Osma" typeface="Ebrima"/>
-        <a:font script="Phag" typeface="Phagspa"/>
-        <a:font script="Syrn" typeface="Estrangelo Edessa"/>
-        <a:font script="Syrj" typeface="Estrangelo Edessa"/>
-        <a:font script="Syre" typeface="Estrangelo Edessa"/>
-        <a:font script="Sora" typeface="Nirmala UI"/>
-        <a:font script="Tale" typeface="Microsoft Tai Le"/>
-        <a:font script="Talu" typeface="Microsoft New Tai Lue"/>
-        <a:font script="Tfng" typeface="Ebrima"/>
       </a:majorFont>
       <a:minorFont>
         <a:latin typeface="Calibri" panose="020F0502020204030204"/>
@@ -4192,26 +3897,9 @@
         <a:font script="Viet" typeface="Arial"/>
         <a:font script="Uigh" typeface="Microsoft Uighur"/>
         <a:font script="Geor" typeface="Sylfaen"/>
-        <a:font script="Armn" typeface="Arial"/>
-        <a:font script="Bugi" typeface="Leelawadee UI"/>
-        <a:font script="Bopo" typeface="Microsoft JhengHei"/>
-        <a:font script="Java" typeface="Javanese Text"/>
-        <a:font script="Lisu" typeface="Segoe UI"/>
-        <a:font script="Mymr" typeface="Myanmar Text"/>
-        <a:font script="Nkoo" typeface="Ebrima"/>
-        <a:font script="Olck" typeface="Nirmala UI"/>
-        <a:font script="Osma" typeface="Ebrima"/>
-        <a:font script="Phag" typeface="Phagspa"/>
-        <a:font script="Syrn" typeface="Estrangelo Edessa"/>
-        <a:font script="Syrj" typeface="Estrangelo Edessa"/>
-        <a:font script="Syre" typeface="Estrangelo Edessa"/>
-        <a:font script="Sora" typeface="Nirmala UI"/>
-        <a:font script="Tale" typeface="Microsoft Tai Le"/>
-        <a:font script="Talu" typeface="Microsoft New Tai Lue"/>
-        <a:font script="Tfng" typeface="Ebrima"/>
       </a:minorFont>
     </a:fontScheme>
-    <a:fmtScheme name="Office">
+    <a:fmtScheme name="Office Theme">
       <a:fillStyleLst>
         <a:solidFill>
           <a:schemeClr val="phClr"/>
